--- a/promote.pptx
+++ b/promote.pptx
@@ -5,21 +5,24 @@
     <p:sldMasterId id="2147483648" r:id="rId1"/>
   </p:sldMasterIdLst>
   <p:notesMasterIdLst>
-    <p:notesMasterId r:id="rId14"/>
+    <p:notesMasterId r:id="rId17"/>
   </p:notesMasterIdLst>
   <p:sldIdLst>
     <p:sldId id="256" r:id="rId2"/>
-    <p:sldId id="257" r:id="rId3"/>
-    <p:sldId id="262" r:id="rId4"/>
-    <p:sldId id="258" r:id="rId5"/>
-    <p:sldId id="259" r:id="rId6"/>
-    <p:sldId id="261" r:id="rId7"/>
-    <p:sldId id="263" r:id="rId8"/>
-    <p:sldId id="264" r:id="rId9"/>
-    <p:sldId id="265" r:id="rId10"/>
-    <p:sldId id="266" r:id="rId11"/>
-    <p:sldId id="267" r:id="rId12"/>
-    <p:sldId id="260" r:id="rId13"/>
+    <p:sldId id="268" r:id="rId3"/>
+    <p:sldId id="257" r:id="rId4"/>
+    <p:sldId id="269" r:id="rId5"/>
+    <p:sldId id="270" r:id="rId6"/>
+    <p:sldId id="272" r:id="rId7"/>
+    <p:sldId id="273" r:id="rId8"/>
+    <p:sldId id="271" r:id="rId9"/>
+    <p:sldId id="274" r:id="rId10"/>
+    <p:sldId id="275" r:id="rId11"/>
+    <p:sldId id="276" r:id="rId12"/>
+    <p:sldId id="259" r:id="rId13"/>
+    <p:sldId id="261" r:id="rId14"/>
+    <p:sldId id="277" r:id="rId15"/>
+    <p:sldId id="278" r:id="rId16"/>
   </p:sldIdLst>
   <p:sldSz cx="9144000" cy="6858000" type="screen4x3"/>
   <p:notesSz cx="6858000" cy="9144000"/>
@@ -203,7 +206,7 @@
           <a:p>
             <a:fld id="{7A254656-621B-406C-BC2D-A35B9AF3DE2B}" type="datetimeFigureOut">
               <a:rPr lang="zh-CN" altLang="en-US" smtClean="0"/>
-              <a:t>2016/4/27</a:t>
+              <a:t>2016/5/2</a:t>
             </a:fld>
             <a:endParaRPr lang="zh-CN" altLang="en-US"/>
           </a:p>
@@ -716,10 +719,9 @@
               <a:t>Request</a:t>
             </a:r>
             <a:r>
-              <a:rPr lang="zh-CN" altLang="en-US" smtClean="0"/>
+              <a:rPr lang="zh-CN" altLang="en-US" dirty="0" smtClean="0"/>
               <a:t>，首先判断本地是否有其结果缓存，如果有缓存并且缓存没有过期，则直接将本地缓存结果返回给用户。否则，通过网络线程开启网络请求，请求成功后回调用户设置的接口并将结果缓存到本地。</a:t>
             </a:r>
-            <a:endParaRPr lang="zh-CN" altLang="en-US" dirty="0"/>
           </a:p>
         </p:txBody>
       </p:sp>
@@ -740,7 +742,7 @@
           <a:p>
             <a:fld id="{6718EBDC-2EC4-468E-B182-1717C37A33F0}" type="slidenum">
               <a:rPr lang="zh-CN" altLang="en-US" smtClean="0"/>
-              <a:t>7</a:t>
+              <a:t>6</a:t>
             </a:fld>
             <a:endParaRPr lang="zh-CN" altLang="en-US"/>
           </a:p>
@@ -749,7 +751,7 @@
     </p:spTree>
     <p:extLst>
       <p:ext uri="{BB962C8B-B14F-4D97-AF65-F5344CB8AC3E}">
-        <p14:creationId xmlns:p14="http://schemas.microsoft.com/office/powerpoint/2010/main" val="2040165139"/>
+        <p14:creationId xmlns:p14="http://schemas.microsoft.com/office/powerpoint/2010/main" val="4139112108"/>
       </p:ext>
     </p:extLst>
   </p:cSld>
@@ -940,7 +942,7 @@
           <a:p>
             <a:fld id="{25CA7E46-AAA2-4505-8430-AB68F6110AB2}" type="datetimeFigureOut">
               <a:rPr lang="zh-CN" altLang="en-US" smtClean="0"/>
-              <a:t>2016/4/27</a:t>
+              <a:t>2016/5/2</a:t>
             </a:fld>
             <a:endParaRPr lang="zh-CN" altLang="en-US"/>
           </a:p>
@@ -998,6 +1000,13 @@
   <p:clrMapOvr>
     <a:masterClrMapping/>
   </p:clrMapOvr>
+  <p:timing>
+    <p:tnLst>
+      <p:par>
+        <p:cTn id="1" dur="indefinite" restart="never" nodeType="tmRoot"/>
+      </p:par>
+    </p:tnLst>
+  </p:timing>
 </p:sldLayout>
 </file>
 
@@ -1110,7 +1119,7 @@
           <a:p>
             <a:fld id="{25CA7E46-AAA2-4505-8430-AB68F6110AB2}" type="datetimeFigureOut">
               <a:rPr lang="zh-CN" altLang="en-US" smtClean="0"/>
-              <a:t>2016/4/27</a:t>
+              <a:t>2016/5/2</a:t>
             </a:fld>
             <a:endParaRPr lang="zh-CN" altLang="en-US"/>
           </a:p>
@@ -1290,7 +1299,7 @@
           <a:p>
             <a:fld id="{25CA7E46-AAA2-4505-8430-AB68F6110AB2}" type="datetimeFigureOut">
               <a:rPr lang="zh-CN" altLang="en-US" smtClean="0"/>
-              <a:t>2016/4/27</a:t>
+              <a:t>2016/5/2</a:t>
             </a:fld>
             <a:endParaRPr lang="zh-CN" altLang="en-US"/>
           </a:p>
@@ -1380,25 +1389,125 @@
         </p:nvSpPr>
         <p:spPr/>
         <p:txBody>
+          <a:bodyPr>
+            <a:normAutofit/>
+          </a:bodyPr>
+          <a:lstStyle>
+            <a:lvl1pPr algn="l">
+              <a:defRPr sz="3200" b="1">
+                <a:latin typeface="微软雅黑" pitchFamily="34" charset="-122"/>
+                <a:ea typeface="微软雅黑" pitchFamily="34" charset="-122"/>
+              </a:defRPr>
+            </a:lvl1pPr>
+          </a:lstStyle>
+          <a:p>
+            <a:r>
+              <a:rPr lang="zh-CN" altLang="en-US" dirty="0" smtClean="0"/>
+              <a:t>单击此处编辑母版标题样式</a:t>
+            </a:r>
+            <a:endParaRPr lang="zh-CN" altLang="en-US" dirty="0"/>
+          </a:p>
+        </p:txBody>
+      </p:sp>
+      <p:sp>
+        <p:nvSpPr>
+          <p:cNvPr id="3" name="内容占位符 2"/>
+          <p:cNvSpPr>
+            <a:spLocks noGrp="1"/>
+          </p:cNvSpPr>
+          <p:nvPr>
+            <p:ph idx="1"/>
+          </p:nvPr>
+        </p:nvSpPr>
+        <p:spPr/>
+        <p:txBody>
           <a:bodyPr/>
-          <a:lstStyle/>
-          <a:p>
-            <a:r>
-              <a:rPr lang="zh-CN" altLang="en-US" smtClean="0"/>
-              <a:t>单击此处编辑母版标题样式</a:t>
-            </a:r>
-            <a:endParaRPr lang="zh-CN" altLang="en-US"/>
-          </a:p>
-        </p:txBody>
-      </p:sp>
-      <p:sp>
-        <p:nvSpPr>
-          <p:cNvPr id="3" name="内容占位符 2"/>
-          <p:cNvSpPr>
-            <a:spLocks noGrp="1"/>
-          </p:cNvSpPr>
-          <p:nvPr>
-            <p:ph idx="1"/>
+          <a:lstStyle>
+            <a:lvl1pPr>
+              <a:defRPr sz="2400">
+                <a:latin typeface="微软雅黑" pitchFamily="34" charset="-122"/>
+                <a:ea typeface="微软雅黑" pitchFamily="34" charset="-122"/>
+              </a:defRPr>
+            </a:lvl1pPr>
+            <a:lvl2pPr marL="742950" indent="-285750">
+              <a:buFont typeface="Arial" pitchFamily="34" charset="0"/>
+              <a:buChar char="•"/>
+              <a:defRPr sz="2400">
+                <a:latin typeface="微软雅黑" pitchFamily="34" charset="-122"/>
+                <a:ea typeface="微软雅黑" pitchFamily="34" charset="-122"/>
+              </a:defRPr>
+            </a:lvl2pPr>
+            <a:lvl3pPr marL="1143000" indent="-228600">
+              <a:buFont typeface="Arial" pitchFamily="34" charset="0"/>
+              <a:buChar char="•"/>
+              <a:defRPr sz="2400">
+                <a:latin typeface="微软雅黑" pitchFamily="34" charset="-122"/>
+                <a:ea typeface="微软雅黑" pitchFamily="34" charset="-122"/>
+              </a:defRPr>
+            </a:lvl3pPr>
+            <a:lvl4pPr marL="1600200" indent="-228600">
+              <a:buFont typeface="Arial" pitchFamily="34" charset="0"/>
+              <a:buChar char="•"/>
+              <a:defRPr sz="2400">
+                <a:latin typeface="微软雅黑" pitchFamily="34" charset="-122"/>
+                <a:ea typeface="微软雅黑" pitchFamily="34" charset="-122"/>
+              </a:defRPr>
+            </a:lvl4pPr>
+            <a:lvl5pPr marL="2057400" indent="-228600">
+              <a:buFont typeface="Arial" pitchFamily="34" charset="0"/>
+              <a:buChar char="•"/>
+              <a:defRPr sz="2400">
+                <a:latin typeface="微软雅黑" pitchFamily="34" charset="-122"/>
+                <a:ea typeface="微软雅黑" pitchFamily="34" charset="-122"/>
+              </a:defRPr>
+            </a:lvl5pPr>
+          </a:lstStyle>
+          <a:p>
+            <a:pPr lvl="0"/>
+            <a:r>
+              <a:rPr lang="zh-CN" altLang="en-US" dirty="0" smtClean="0"/>
+              <a:t>单击此处编辑母版文本样式</a:t>
+            </a:r>
+          </a:p>
+          <a:p>
+            <a:pPr lvl="1"/>
+            <a:r>
+              <a:rPr lang="zh-CN" altLang="en-US" dirty="0" smtClean="0"/>
+              <a:t>第二级</a:t>
+            </a:r>
+          </a:p>
+          <a:p>
+            <a:pPr lvl="2"/>
+            <a:r>
+              <a:rPr lang="zh-CN" altLang="en-US" dirty="0" smtClean="0"/>
+              <a:t>第三级</a:t>
+            </a:r>
+          </a:p>
+          <a:p>
+            <a:pPr lvl="3"/>
+            <a:r>
+              <a:rPr lang="zh-CN" altLang="en-US" dirty="0" smtClean="0"/>
+              <a:t>第四级</a:t>
+            </a:r>
+          </a:p>
+          <a:p>
+            <a:pPr lvl="4"/>
+            <a:r>
+              <a:rPr lang="zh-CN" altLang="en-US" dirty="0" smtClean="0"/>
+              <a:t>第五级</a:t>
+            </a:r>
+            <a:endParaRPr lang="zh-CN" altLang="en-US" dirty="0"/>
+          </a:p>
+        </p:txBody>
+      </p:sp>
+      <p:sp>
+        <p:nvSpPr>
+          <p:cNvPr id="4" name="日期占位符 3"/>
+          <p:cNvSpPr>
+            <a:spLocks noGrp="1"/>
+          </p:cNvSpPr>
+          <p:nvPr>
+            <p:ph type="dt" sz="half" idx="10"/>
           </p:nvPr>
         </p:nvSpPr>
         <p:spPr/>
@@ -1406,61 +1515,9 @@
           <a:bodyPr/>
           <a:lstStyle/>
           <a:p>
-            <a:pPr lvl="0"/>
-            <a:r>
-              <a:rPr lang="zh-CN" altLang="en-US" smtClean="0"/>
-              <a:t>单击此处编辑母版文本样式</a:t>
-            </a:r>
-          </a:p>
-          <a:p>
-            <a:pPr lvl="1"/>
-            <a:r>
-              <a:rPr lang="zh-CN" altLang="en-US" smtClean="0"/>
-              <a:t>第二级</a:t>
-            </a:r>
-          </a:p>
-          <a:p>
-            <a:pPr lvl="2"/>
-            <a:r>
-              <a:rPr lang="zh-CN" altLang="en-US" smtClean="0"/>
-              <a:t>第三级</a:t>
-            </a:r>
-          </a:p>
-          <a:p>
-            <a:pPr lvl="3"/>
-            <a:r>
-              <a:rPr lang="zh-CN" altLang="en-US" smtClean="0"/>
-              <a:t>第四级</a:t>
-            </a:r>
-          </a:p>
-          <a:p>
-            <a:pPr lvl="4"/>
-            <a:r>
-              <a:rPr lang="zh-CN" altLang="en-US" smtClean="0"/>
-              <a:t>第五级</a:t>
-            </a:r>
-            <a:endParaRPr lang="zh-CN" altLang="en-US"/>
-          </a:p>
-        </p:txBody>
-      </p:sp>
-      <p:sp>
-        <p:nvSpPr>
-          <p:cNvPr id="4" name="日期占位符 3"/>
-          <p:cNvSpPr>
-            <a:spLocks noGrp="1"/>
-          </p:cNvSpPr>
-          <p:nvPr>
-            <p:ph type="dt" sz="half" idx="10"/>
-          </p:nvPr>
-        </p:nvSpPr>
-        <p:spPr/>
-        <p:txBody>
-          <a:bodyPr/>
-          <a:lstStyle/>
-          <a:p>
             <a:fld id="{25CA7E46-AAA2-4505-8430-AB68F6110AB2}" type="datetimeFigureOut">
               <a:rPr lang="zh-CN" altLang="en-US" smtClean="0"/>
-              <a:t>2016/4/27</a:t>
+              <a:t>2016/5/2</a:t>
             </a:fld>
             <a:endParaRPr lang="zh-CN" altLang="en-US"/>
           </a:p>
@@ -1518,6 +1575,13 @@
   <p:clrMapOvr>
     <a:masterClrMapping/>
   </p:clrMapOvr>
+  <p:timing>
+    <p:tnLst>
+      <p:par>
+        <p:cTn id="1" dur="indefinite" restart="never" nodeType="tmRoot"/>
+      </p:par>
+    </p:tnLst>
+  </p:timing>
 </p:sldLayout>
 </file>
 
@@ -1706,7 +1770,7 @@
           <a:p>
             <a:fld id="{25CA7E46-AAA2-4505-8430-AB68F6110AB2}" type="datetimeFigureOut">
               <a:rPr lang="zh-CN" altLang="en-US" smtClean="0"/>
-              <a:t>2016/4/27</a:t>
+              <a:t>2016/5/2</a:t>
             </a:fld>
             <a:endParaRPr lang="zh-CN" altLang="en-US"/>
           </a:p>
@@ -1764,6 +1828,13 @@
   <p:clrMapOvr>
     <a:masterClrMapping/>
   </p:clrMapOvr>
+  <p:timing>
+    <p:tnLst>
+      <p:par>
+        <p:cTn id="1" dur="indefinite" restart="never" nodeType="tmRoot"/>
+      </p:par>
+    </p:tnLst>
+  </p:timing>
 </p:sldLayout>
 </file>
 
@@ -1994,7 +2065,7 @@
           <a:p>
             <a:fld id="{25CA7E46-AAA2-4505-8430-AB68F6110AB2}" type="datetimeFigureOut">
               <a:rPr lang="zh-CN" altLang="en-US" smtClean="0"/>
-              <a:t>2016/4/27</a:t>
+              <a:t>2016/5/2</a:t>
             </a:fld>
             <a:endParaRPr lang="zh-CN" altLang="en-US"/>
           </a:p>
@@ -2052,6 +2123,13 @@
   <p:clrMapOvr>
     <a:masterClrMapping/>
   </p:clrMapOvr>
+  <p:timing>
+    <p:tnLst>
+      <p:par>
+        <p:cTn id="1" dur="indefinite" restart="never" nodeType="tmRoot"/>
+      </p:par>
+    </p:tnLst>
+  </p:timing>
 </p:sldLayout>
 </file>
 
@@ -2416,7 +2494,7 @@
           <a:p>
             <a:fld id="{25CA7E46-AAA2-4505-8430-AB68F6110AB2}" type="datetimeFigureOut">
               <a:rPr lang="zh-CN" altLang="en-US" smtClean="0"/>
-              <a:t>2016/4/27</a:t>
+              <a:t>2016/5/2</a:t>
             </a:fld>
             <a:endParaRPr lang="zh-CN" altLang="en-US"/>
           </a:p>
@@ -2474,6 +2552,13 @@
   <p:clrMapOvr>
     <a:masterClrMapping/>
   </p:clrMapOvr>
+  <p:timing>
+    <p:tnLst>
+      <p:par>
+        <p:cTn id="1" dur="indefinite" restart="never" nodeType="tmRoot"/>
+      </p:par>
+    </p:tnLst>
+  </p:timing>
 </p:sldLayout>
 </file>
 
@@ -2506,35 +2591,44 @@
         </p:nvSpPr>
         <p:spPr/>
         <p:txBody>
+          <a:bodyPr>
+            <a:normAutofit/>
+          </a:bodyPr>
+          <a:lstStyle>
+            <a:lvl1pPr algn="l">
+              <a:defRPr sz="3200" b="1">
+                <a:latin typeface="微软雅黑" pitchFamily="34" charset="-122"/>
+                <a:ea typeface="微软雅黑" pitchFamily="34" charset="-122"/>
+              </a:defRPr>
+            </a:lvl1pPr>
+          </a:lstStyle>
+          <a:p>
+            <a:r>
+              <a:rPr lang="zh-CN" altLang="en-US" dirty="0" smtClean="0"/>
+              <a:t>单击此处编辑母版标题样式</a:t>
+            </a:r>
+            <a:endParaRPr lang="zh-CN" altLang="en-US" dirty="0"/>
+          </a:p>
+        </p:txBody>
+      </p:sp>
+      <p:sp>
+        <p:nvSpPr>
+          <p:cNvPr id="3" name="日期占位符 2"/>
+          <p:cNvSpPr>
+            <a:spLocks noGrp="1"/>
+          </p:cNvSpPr>
+          <p:nvPr>
+            <p:ph type="dt" sz="half" idx="10"/>
+          </p:nvPr>
+        </p:nvSpPr>
+        <p:spPr/>
+        <p:txBody>
           <a:bodyPr/>
           <a:lstStyle/>
           <a:p>
-            <a:r>
-              <a:rPr lang="zh-CN" altLang="en-US" smtClean="0"/>
-              <a:t>单击此处编辑母版标题样式</a:t>
-            </a:r>
-            <a:endParaRPr lang="zh-CN" altLang="en-US"/>
-          </a:p>
-        </p:txBody>
-      </p:sp>
-      <p:sp>
-        <p:nvSpPr>
-          <p:cNvPr id="3" name="日期占位符 2"/>
-          <p:cNvSpPr>
-            <a:spLocks noGrp="1"/>
-          </p:cNvSpPr>
-          <p:nvPr>
-            <p:ph type="dt" sz="half" idx="10"/>
-          </p:nvPr>
-        </p:nvSpPr>
-        <p:spPr/>
-        <p:txBody>
-          <a:bodyPr/>
-          <a:lstStyle/>
-          <a:p>
             <a:fld id="{25CA7E46-AAA2-4505-8430-AB68F6110AB2}" type="datetimeFigureOut">
               <a:rPr lang="zh-CN" altLang="en-US" smtClean="0"/>
-              <a:t>2016/4/27</a:t>
+              <a:t>2016/5/2</a:t>
             </a:fld>
             <a:endParaRPr lang="zh-CN" altLang="en-US"/>
           </a:p>
@@ -2592,6 +2686,13 @@
   <p:clrMapOvr>
     <a:masterClrMapping/>
   </p:clrMapOvr>
+  <p:timing>
+    <p:tnLst>
+      <p:par>
+        <p:cTn id="1" dur="indefinite" restart="never" nodeType="tmRoot"/>
+      </p:par>
+    </p:tnLst>
+  </p:timing>
 </p:sldLayout>
 </file>
 
@@ -2629,7 +2730,7 @@
           <a:p>
             <a:fld id="{25CA7E46-AAA2-4505-8430-AB68F6110AB2}" type="datetimeFigureOut">
               <a:rPr lang="zh-CN" altLang="en-US" smtClean="0"/>
-              <a:t>2016/4/27</a:t>
+              <a:t>2016/5/2</a:t>
             </a:fld>
             <a:endParaRPr lang="zh-CN" altLang="en-US"/>
           </a:p>
@@ -2906,7 +3007,7 @@
           <a:p>
             <a:fld id="{25CA7E46-AAA2-4505-8430-AB68F6110AB2}" type="datetimeFigureOut">
               <a:rPr lang="zh-CN" altLang="en-US" smtClean="0"/>
-              <a:t>2016/4/27</a:t>
+              <a:t>2016/5/2</a:t>
             </a:fld>
             <a:endParaRPr lang="zh-CN" altLang="en-US"/>
           </a:p>
@@ -3159,7 +3260,7 @@
           <a:p>
             <a:fld id="{25CA7E46-AAA2-4505-8430-AB68F6110AB2}" type="datetimeFigureOut">
               <a:rPr lang="zh-CN" altLang="en-US" smtClean="0"/>
-              <a:t>2016/4/27</a:t>
+              <a:t>2016/5/2</a:t>
             </a:fld>
             <a:endParaRPr lang="zh-CN" altLang="en-US"/>
           </a:p>
@@ -3268,10 +3369,10 @@
           <a:lstStyle/>
           <a:p>
             <a:r>
-              <a:rPr lang="zh-CN" altLang="en-US" smtClean="0"/>
+              <a:rPr lang="zh-CN" altLang="en-US" dirty="0" smtClean="0"/>
               <a:t>单击此处编辑母版标题样式</a:t>
             </a:r>
-            <a:endParaRPr lang="zh-CN" altLang="en-US"/>
+            <a:endParaRPr lang="zh-CN" altLang="en-US" dirty="0"/>
           </a:p>
         </p:txBody>
       </p:sp>
@@ -3302,38 +3403,38 @@
           <a:p>
             <a:pPr lvl="0"/>
             <a:r>
-              <a:rPr lang="zh-CN" altLang="en-US" smtClean="0"/>
+              <a:rPr lang="zh-CN" altLang="en-US" dirty="0" smtClean="0"/>
               <a:t>单击此处编辑母版文本样式</a:t>
             </a:r>
           </a:p>
           <a:p>
             <a:pPr lvl="1"/>
             <a:r>
-              <a:rPr lang="zh-CN" altLang="en-US" smtClean="0"/>
+              <a:rPr lang="zh-CN" altLang="en-US" dirty="0" smtClean="0"/>
               <a:t>第二级</a:t>
             </a:r>
           </a:p>
           <a:p>
             <a:pPr lvl="2"/>
             <a:r>
-              <a:rPr lang="zh-CN" altLang="en-US" smtClean="0"/>
+              <a:rPr lang="zh-CN" altLang="en-US" dirty="0" smtClean="0"/>
               <a:t>第三级</a:t>
             </a:r>
           </a:p>
           <a:p>
             <a:pPr lvl="3"/>
             <a:r>
-              <a:rPr lang="zh-CN" altLang="en-US" smtClean="0"/>
+              <a:rPr lang="zh-CN" altLang="en-US" dirty="0" smtClean="0"/>
               <a:t>第四级</a:t>
             </a:r>
           </a:p>
           <a:p>
             <a:pPr lvl="4"/>
             <a:r>
-              <a:rPr lang="zh-CN" altLang="en-US" smtClean="0"/>
+              <a:rPr lang="zh-CN" altLang="en-US" dirty="0" smtClean="0"/>
               <a:t>第五级</a:t>
             </a:r>
-            <a:endParaRPr lang="zh-CN" altLang="en-US"/>
+            <a:endParaRPr lang="zh-CN" altLang="en-US" dirty="0"/>
           </a:p>
         </p:txBody>
       </p:sp>
@@ -3372,7 +3473,7 @@
           <a:p>
             <a:fld id="{25CA7E46-AAA2-4505-8430-AB68F6110AB2}" type="datetimeFigureOut">
               <a:rPr lang="zh-CN" altLang="en-US" smtClean="0"/>
-              <a:t>2016/4/27</a:t>
+              <a:t>2016/5/2</a:t>
             </a:fld>
             <a:endParaRPr lang="zh-CN" altLang="en-US"/>
           </a:p>
@@ -3477,6 +3578,13 @@
     <p:sldLayoutId id="2147483658" r:id="rId10"/>
     <p:sldLayoutId id="2147483659" r:id="rId11"/>
   </p:sldLayoutIdLst>
+  <p:timing>
+    <p:tnLst>
+      <p:par>
+        <p:cTn id="1" dur="indefinite" restart="never" nodeType="tmRoot"/>
+      </p:par>
+    </p:tnLst>
+  </p:timing>
   <p:txStyles>
     <p:titleStyle>
       <a:lvl1pPr algn="ctr" defTabSz="914400" rtl="0" eaLnBrk="1" latinLnBrk="0" hangingPunct="1">
@@ -3756,7 +3864,7 @@
         <p:spPr>
           <a:xfrm>
             <a:off x="1115616" y="1988840"/>
-            <a:ext cx="7416824" cy="830997"/>
+            <a:ext cx="7416824" cy="584775"/>
           </a:xfrm>
           <a:prstGeom prst="rect">
             <a:avLst/>
@@ -3769,12 +3877,25 @@
           </a:bodyPr>
           <a:lstStyle/>
           <a:p>
-            <a:pPr algn="ctr"/>
-            <a:r>
-              <a:rPr lang="zh-CN" altLang="en-US" sz="4800" dirty="0" smtClean="0"/>
-              <a:t>述职报告</a:t>
-            </a:r>
-            <a:endParaRPr lang="zh-CN" altLang="en-US" sz="4800" dirty="0"/>
+            <a:pPr algn="r"/>
+            <a:r>
+              <a:rPr lang="en-US" altLang="zh-CN" sz="3200" b="1" dirty="0" smtClean="0">
+                <a:latin typeface="微软雅黑" pitchFamily="34" charset="-122"/>
+                <a:ea typeface="微软雅黑" pitchFamily="34" charset="-122"/>
+              </a:rPr>
+              <a:t>P5-P6</a:t>
+            </a:r>
+            <a:r>
+              <a:rPr lang="zh-CN" altLang="en-US" sz="3200" b="1" dirty="0" smtClean="0">
+                <a:latin typeface="微软雅黑" pitchFamily="34" charset="-122"/>
+                <a:ea typeface="微软雅黑" pitchFamily="34" charset="-122"/>
+              </a:rPr>
+              <a:t>晋升述职报告</a:t>
+            </a:r>
+            <a:endParaRPr lang="zh-CN" altLang="en-US" sz="3200" b="1" dirty="0">
+              <a:latin typeface="微软雅黑" pitchFamily="34" charset="-122"/>
+              <a:ea typeface="微软雅黑" pitchFamily="34" charset="-122"/>
+            </a:endParaRPr>
           </a:p>
         </p:txBody>
       </p:sp>
@@ -3786,8 +3907,8 @@
         </p:nvSpPr>
         <p:spPr>
           <a:xfrm>
-            <a:off x="1907704" y="3536921"/>
-            <a:ext cx="5832648" cy="369332"/>
+            <a:off x="4860032" y="2924944"/>
+            <a:ext cx="3672408" cy="923330"/>
           </a:xfrm>
           <a:prstGeom prst="rect">
             <a:avLst/>
@@ -3800,74 +3921,56 @@
           </a:bodyPr>
           <a:lstStyle/>
           <a:p>
+            <a:pPr algn="r"/>
+            <a:r>
+              <a:rPr lang="en-US" altLang="zh-CN" dirty="0" smtClean="0">
+                <a:latin typeface="微软雅黑" pitchFamily="34" charset="-122"/>
+                <a:ea typeface="微软雅黑" pitchFamily="34" charset="-122"/>
+              </a:rPr>
+              <a:t>OS</a:t>
+            </a:r>
+            <a:r>
+              <a:rPr lang="zh-CN" altLang="en-US" dirty="0" smtClean="0">
+                <a:latin typeface="微软雅黑" pitchFamily="34" charset="-122"/>
+                <a:ea typeface="微软雅黑" pitchFamily="34" charset="-122"/>
+              </a:rPr>
+              <a:t>事业群</a:t>
+            </a:r>
+            <a:r>
+              <a:rPr lang="en-US" altLang="zh-CN" dirty="0" smtClean="0">
+                <a:latin typeface="微软雅黑" pitchFamily="34" charset="-122"/>
+                <a:ea typeface="微软雅黑" pitchFamily="34" charset="-122"/>
+              </a:rPr>
+              <a:t>--IDC-</a:t>
+            </a:r>
+            <a:r>
+              <a:rPr lang="zh-CN" altLang="en-US" dirty="0" smtClean="0">
+                <a:latin typeface="微软雅黑" pitchFamily="34" charset="-122"/>
+                <a:ea typeface="微软雅黑" pitchFamily="34" charset="-122"/>
+              </a:rPr>
+              <a:t>系统</a:t>
+            </a:r>
+            <a:endParaRPr lang="en-US" altLang="zh-CN" dirty="0" smtClean="0">
+              <a:latin typeface="微软雅黑" pitchFamily="34" charset="-122"/>
+              <a:ea typeface="微软雅黑" pitchFamily="34" charset="-122"/>
+            </a:endParaRPr>
+          </a:p>
+          <a:p>
+            <a:pPr algn="r"/>
+            <a:r>
+              <a:rPr lang="zh-CN" altLang="en-US" dirty="0">
+                <a:latin typeface="微软雅黑" pitchFamily="34" charset="-122"/>
+                <a:ea typeface="微软雅黑" pitchFamily="34" charset="-122"/>
+              </a:rPr>
+              <a:t>王正一</a:t>
+            </a:r>
+            <a:endParaRPr lang="en-US" altLang="zh-CN" dirty="0" smtClean="0">
+              <a:latin typeface="微软雅黑" pitchFamily="34" charset="-122"/>
+              <a:ea typeface="微软雅黑" pitchFamily="34" charset="-122"/>
+            </a:endParaRPr>
+          </a:p>
+          <a:p>
             <a:pPr algn="ctr"/>
-            <a:r>
-              <a:rPr lang="en-US" altLang="zh-CN" dirty="0" smtClean="0"/>
-              <a:t>OS</a:t>
-            </a:r>
-            <a:r>
-              <a:rPr lang="zh-CN" altLang="en-US" dirty="0" smtClean="0"/>
-              <a:t>事业群</a:t>
-            </a:r>
-            <a:r>
-              <a:rPr lang="en-US" altLang="zh-CN" dirty="0" smtClean="0"/>
-              <a:t>-</a:t>
-            </a:r>
-            <a:r>
-              <a:rPr lang="en-US" altLang="zh-CN" dirty="0" err="1" smtClean="0"/>
-              <a:t>YunOS</a:t>
-            </a:r>
-            <a:r>
-              <a:rPr lang="zh-CN" altLang="en-US" dirty="0" smtClean="0"/>
-              <a:t>事业部</a:t>
-            </a:r>
-            <a:r>
-              <a:rPr lang="en-US" altLang="zh-CN" dirty="0" smtClean="0"/>
-              <a:t>-IDC-</a:t>
-            </a:r>
-            <a:r>
-              <a:rPr lang="zh-CN" altLang="en-US" dirty="0" smtClean="0"/>
-              <a:t>系统</a:t>
-            </a:r>
-            <a:endParaRPr lang="zh-CN" altLang="en-US" dirty="0"/>
-          </a:p>
-        </p:txBody>
-      </p:sp>
-      <p:sp>
-        <p:nvSpPr>
-          <p:cNvPr id="7" name="TextBox 6"/>
-          <p:cNvSpPr txBox="1"/>
-          <p:nvPr/>
-        </p:nvSpPr>
-        <p:spPr>
-          <a:xfrm>
-            <a:off x="1907704" y="4293096"/>
-            <a:ext cx="5832648" cy="369332"/>
-          </a:xfrm>
-          <a:prstGeom prst="rect">
-            <a:avLst/>
-          </a:prstGeom>
-          <a:noFill/>
-        </p:spPr>
-        <p:txBody>
-          <a:bodyPr wrap="square" rtlCol="0">
-            <a:spAutoFit/>
-          </a:bodyPr>
-          <a:lstStyle/>
-          <a:p>
-            <a:pPr algn="ctr"/>
-            <a:r>
-              <a:rPr lang="zh-CN" altLang="en-US" dirty="0" smtClean="0"/>
-              <a:t>王正一</a:t>
-            </a:r>
-            <a:r>
-              <a:rPr lang="en-US" altLang="zh-CN" dirty="0" smtClean="0"/>
-              <a:t>|</a:t>
-            </a:r>
-            <a:r>
-              <a:rPr lang="zh-CN" altLang="en-US" dirty="0" smtClean="0"/>
-              <a:t>俊月</a:t>
-            </a:r>
             <a:endParaRPr lang="zh-CN" altLang="en-US" dirty="0"/>
           </a:p>
         </p:txBody>
@@ -3925,64 +4028,53 @@
           <a:lstStyle/>
           <a:p>
             <a:r>
-              <a:rPr lang="en-US" altLang="zh-CN" dirty="0" err="1" smtClean="0"/>
-              <a:t>WheelView</a:t>
-            </a:r>
-            <a:r>
-              <a:rPr lang="zh-CN" altLang="en-US" dirty="0" smtClean="0"/>
-              <a:t>自定义滚动机制（一）</a:t>
+              <a:rPr lang="en-US" altLang="zh-CN" dirty="0" smtClean="0"/>
+              <a:t>ROM</a:t>
+            </a:r>
+            <a:r>
+              <a:rPr lang="zh-CN" altLang="en-US" dirty="0" smtClean="0"/>
+              <a:t>适配方向</a:t>
             </a:r>
             <a:endParaRPr lang="zh-CN" altLang="en-US" dirty="0"/>
           </a:p>
         </p:txBody>
       </p:sp>
-      <p:pic>
-        <p:nvPicPr>
-          <p:cNvPr id="4" name="图片 3"/>
-          <p:cNvPicPr>
-            <a:picLocks noChangeAspect="1"/>
-          </p:cNvPicPr>
-          <p:nvPr/>
-        </p:nvPicPr>
-        <p:blipFill>
-          <a:blip r:embed="rId2">
-            <a:extLst>
-              <a:ext uri="{28A0092B-C50C-407E-A947-70E740481C1C}">
-                <a14:useLocalDpi xmlns:a14="http://schemas.microsoft.com/office/drawing/2010/main" val="0"/>
-              </a:ext>
-            </a:extLst>
-          </a:blip>
-          <a:stretch>
-            <a:fillRect/>
-          </a:stretch>
-        </p:blipFill>
-        <p:spPr>
-          <a:xfrm>
-            <a:off x="0" y="1628799"/>
-            <a:ext cx="8532440" cy="5229201"/>
-          </a:xfrm>
-          <a:prstGeom prst="rect">
-            <a:avLst/>
-          </a:prstGeom>
-        </p:spPr>
-      </p:pic>
+      <p:sp>
+        <p:nvSpPr>
+          <p:cNvPr id="3" name="内容占位符 2"/>
+          <p:cNvSpPr>
+            <a:spLocks noGrp="1"/>
+          </p:cNvSpPr>
+          <p:nvPr>
+            <p:ph idx="1"/>
+          </p:nvPr>
+        </p:nvSpPr>
+        <p:spPr/>
+        <p:txBody>
+          <a:bodyPr/>
+          <a:lstStyle/>
+          <a:p>
+            <a:pPr marL="0" indent="0">
+              <a:buNone/>
+            </a:pPr>
+            <a:r>
+              <a:rPr lang="zh-CN" altLang="en-US" b="1" dirty="0" smtClean="0"/>
+              <a:t>思路</a:t>
+            </a:r>
+            <a:endParaRPr lang="zh-CN" altLang="en-US" b="1" dirty="0"/>
+          </a:p>
+        </p:txBody>
+      </p:sp>
     </p:spTree>
     <p:extLst>
       <p:ext uri="{BB962C8B-B14F-4D97-AF65-F5344CB8AC3E}">
-        <p14:creationId xmlns:p14="http://schemas.microsoft.com/office/powerpoint/2010/main" val="2312128643"/>
+        <p14:creationId xmlns:p14="http://schemas.microsoft.com/office/powerpoint/2010/main" val="3520199992"/>
       </p:ext>
     </p:extLst>
   </p:cSld>
   <p:clrMapOvr>
     <a:masterClrMapping/>
   </p:clrMapOvr>
-  <p:timing>
-    <p:tnLst>
-      <p:par>
-        <p:cTn id="1" dur="indefinite" restart="never" nodeType="tmRoot"/>
-      </p:par>
-    </p:tnLst>
-  </p:timing>
 </p:sld>
 </file>
 
@@ -4019,64 +4111,125 @@
           <a:lstStyle/>
           <a:p>
             <a:r>
-              <a:rPr lang="en-US" altLang="zh-CN" dirty="0" err="1" smtClean="0"/>
-              <a:t>WheelView</a:t>
-            </a:r>
-            <a:r>
-              <a:rPr lang="zh-CN" altLang="en-US" dirty="0" smtClean="0"/>
-              <a:t>自定义滚动机制（二）</a:t>
+              <a:rPr lang="en-US" altLang="zh-CN" dirty="0" smtClean="0"/>
+              <a:t>Rom</a:t>
+            </a:r>
+            <a:r>
+              <a:rPr lang="zh-CN" altLang="en-US" dirty="0" smtClean="0"/>
+              <a:t>适配方向</a:t>
             </a:r>
             <a:endParaRPr lang="zh-CN" altLang="en-US" dirty="0"/>
           </a:p>
         </p:txBody>
       </p:sp>
-      <p:pic>
-        <p:nvPicPr>
-          <p:cNvPr id="3" name="图片 2"/>
-          <p:cNvPicPr>
-            <a:picLocks noChangeAspect="1"/>
-          </p:cNvPicPr>
-          <p:nvPr/>
-        </p:nvPicPr>
-        <p:blipFill>
-          <a:blip r:embed="rId2">
-            <a:extLst>
-              <a:ext uri="{28A0092B-C50C-407E-A947-70E740481C1C}">
-                <a14:useLocalDpi xmlns:a14="http://schemas.microsoft.com/office/drawing/2010/main" val="0"/>
-              </a:ext>
-            </a:extLst>
-          </a:blip>
-          <a:stretch>
-            <a:fillRect/>
-          </a:stretch>
-        </p:blipFill>
-        <p:spPr>
-          <a:xfrm>
-            <a:off x="467544" y="1196751"/>
-            <a:ext cx="8208911" cy="5660875"/>
-          </a:xfrm>
-          <a:prstGeom prst="rect">
-            <a:avLst/>
-          </a:prstGeom>
-        </p:spPr>
-      </p:pic>
+      <p:sp>
+        <p:nvSpPr>
+          <p:cNvPr id="3" name="内容占位符 2"/>
+          <p:cNvSpPr>
+            <a:spLocks noGrp="1"/>
+          </p:cNvSpPr>
+          <p:nvPr>
+            <p:ph idx="1"/>
+          </p:nvPr>
+        </p:nvSpPr>
+        <p:spPr/>
+        <p:txBody>
+          <a:bodyPr/>
+          <a:lstStyle/>
+          <a:p>
+            <a:pPr marL="0" indent="0">
+              <a:buNone/>
+            </a:pPr>
+            <a:r>
+              <a:rPr lang="zh-CN" altLang="en-US" b="1" dirty="0" smtClean="0"/>
+              <a:t>收益</a:t>
+            </a:r>
+            <a:endParaRPr lang="en-US" altLang="zh-CN" b="1" dirty="0" smtClean="0"/>
+          </a:p>
+          <a:p>
+            <a:pPr lvl="1"/>
+            <a:r>
+              <a:rPr lang="en-US" altLang="zh-CN" dirty="0" smtClean="0"/>
+              <a:t>MTK</a:t>
+            </a:r>
+            <a:r>
+              <a:rPr lang="zh-CN" altLang="en-US" dirty="0" smtClean="0"/>
+              <a:t>机型成功适配超过</a:t>
+            </a:r>
+            <a:r>
+              <a:rPr lang="en-US" altLang="zh-CN" dirty="0" smtClean="0"/>
+              <a:t>N</a:t>
+            </a:r>
+            <a:r>
+              <a:rPr lang="zh-CN" altLang="en-US" dirty="0" smtClean="0"/>
+              <a:t>台机型</a:t>
+            </a:r>
+            <a:endParaRPr lang="en-US" altLang="zh-CN" dirty="0" smtClean="0"/>
+          </a:p>
+          <a:p>
+            <a:pPr lvl="1"/>
+            <a:r>
+              <a:rPr lang="zh-CN" altLang="en-US" dirty="0" smtClean="0"/>
+              <a:t>提高打包效率，将多平台打包流程从一天时间降低为小时级别，且流程自动化</a:t>
+            </a:r>
+            <a:endParaRPr lang="en-US" altLang="zh-CN" dirty="0" smtClean="0"/>
+          </a:p>
+          <a:p>
+            <a:pPr lvl="1"/>
+            <a:r>
+              <a:rPr lang="zh-CN" altLang="en-US" dirty="0" smtClean="0"/>
+              <a:t>积累了丰富的</a:t>
+            </a:r>
+            <a:r>
+              <a:rPr lang="en-US" altLang="zh-CN" dirty="0" smtClean="0"/>
+              <a:t>Rom</a:t>
+            </a:r>
+            <a:r>
+              <a:rPr lang="zh-CN" altLang="en-US" dirty="0" smtClean="0"/>
+              <a:t>适配经验，包括</a:t>
+            </a:r>
+            <a:r>
+              <a:rPr lang="en-US" altLang="zh-CN" dirty="0" smtClean="0"/>
+              <a:t>UI</a:t>
+            </a:r>
+            <a:r>
+              <a:rPr lang="zh-CN" altLang="en-US" dirty="0" smtClean="0"/>
+              <a:t>适配，</a:t>
+            </a:r>
+            <a:r>
+              <a:rPr lang="en-US" altLang="zh-CN" dirty="0" smtClean="0"/>
+              <a:t>Framework</a:t>
+            </a:r>
+            <a:r>
+              <a:rPr lang="zh-CN" altLang="en-US" dirty="0" smtClean="0"/>
+              <a:t>层问题定位和解决</a:t>
+            </a:r>
+            <a:endParaRPr lang="en-US" altLang="zh-CN" dirty="0" smtClean="0"/>
+          </a:p>
+          <a:p>
+            <a:pPr lvl="1"/>
+            <a:r>
+              <a:rPr lang="en-US" altLang="zh-CN" dirty="0" smtClean="0"/>
+              <a:t>Rom</a:t>
+            </a:r>
+            <a:r>
+              <a:rPr lang="zh-CN" altLang="en-US" dirty="0" smtClean="0"/>
+              <a:t>适配稳定，用户反馈较好</a:t>
+            </a:r>
+            <a:endParaRPr lang="en-US" altLang="zh-CN" dirty="0" smtClean="0"/>
+          </a:p>
+        </p:txBody>
+      </p:sp>
     </p:spTree>
     <p:extLst>
       <p:ext uri="{BB962C8B-B14F-4D97-AF65-F5344CB8AC3E}">
-        <p14:creationId xmlns:p14="http://schemas.microsoft.com/office/powerpoint/2010/main" val="3146495901"/>
+        <p14:creationId xmlns:p14="http://schemas.microsoft.com/office/powerpoint/2010/main" val="1034453671"/>
       </p:ext>
     </p:extLst>
   </p:cSld>
   <p:clrMapOvr>
     <a:masterClrMapping/>
   </p:clrMapOvr>
-  <p:timing>
-    <p:tnLst>
-      <p:par>
-        <p:cTn id="1" dur="indefinite" restart="never" nodeType="tmRoot"/>
-      </p:par>
-    </p:tnLst>
-  </p:timing>
 </p:sld>
 </file>
 
@@ -4099,39 +4252,417 @@
       </p:grpSpPr>
       <p:sp>
         <p:nvSpPr>
-          <p:cNvPr id="4" name="TextBox 3"/>
-          <p:cNvSpPr txBox="1"/>
-          <p:nvPr/>
-        </p:nvSpPr>
-        <p:spPr>
-          <a:xfrm>
-            <a:off x="2195736" y="2132856"/>
-            <a:ext cx="5112568" cy="707886"/>
-          </a:xfrm>
-          <a:prstGeom prst="rect">
-            <a:avLst/>
-          </a:prstGeom>
-          <a:noFill/>
-        </p:spPr>
-        <p:txBody>
-          <a:bodyPr wrap="square" rtlCol="0">
-            <a:spAutoFit/>
+          <p:cNvPr id="2" name="标题 1"/>
+          <p:cNvSpPr>
+            <a:spLocks noGrp="1"/>
+          </p:cNvSpPr>
+          <p:nvPr>
+            <p:ph type="title"/>
+          </p:nvPr>
+        </p:nvSpPr>
+        <p:spPr/>
+        <p:txBody>
+          <a:bodyPr/>
+          <a:lstStyle/>
+          <a:p>
+            <a:r>
+              <a:rPr lang="zh-CN" altLang="en-US" dirty="0" smtClean="0"/>
+              <a:t>我参与的项目</a:t>
+            </a:r>
+            <a:r>
+              <a:rPr lang="en-US" altLang="zh-CN" dirty="0" smtClean="0"/>
+              <a:t>(</a:t>
+            </a:r>
+            <a:r>
+              <a:rPr lang="zh-CN" altLang="en-US" dirty="0" smtClean="0"/>
+              <a:t>二</a:t>
+            </a:r>
+            <a:r>
+              <a:rPr lang="en-US" altLang="zh-CN" dirty="0" smtClean="0"/>
+              <a:t>)</a:t>
+            </a:r>
+            <a:endParaRPr lang="zh-CN" altLang="en-US" dirty="0"/>
+          </a:p>
+        </p:txBody>
+      </p:sp>
+      <p:sp>
+        <p:nvSpPr>
+          <p:cNvPr id="3" name="内容占位符 2"/>
+          <p:cNvSpPr>
+            <a:spLocks noGrp="1"/>
+          </p:cNvSpPr>
+          <p:nvPr>
+            <p:ph idx="1"/>
+          </p:nvPr>
+        </p:nvSpPr>
+        <p:spPr/>
+        <p:txBody>
+          <a:bodyPr>
+            <a:normAutofit fontScale="85000" lnSpcReduction="10000"/>
           </a:bodyPr>
           <a:lstStyle/>
           <a:p>
-            <a:pPr algn="ctr"/>
-            <a:r>
-              <a:rPr lang="en-US" altLang="zh-CN" sz="4000" dirty="0" smtClean="0"/>
-              <a:t>Thank You</a:t>
-            </a:r>
-            <a:endParaRPr lang="zh-CN" altLang="en-US" sz="4000" dirty="0"/>
+            <a:r>
+              <a:rPr lang="zh-CN" altLang="en-US" dirty="0" smtClean="0"/>
+              <a:t>用户闭环</a:t>
+            </a:r>
+            <a:r>
+              <a:rPr lang="en-US" altLang="zh-CN" dirty="0" smtClean="0"/>
+              <a:t>Rom</a:t>
+            </a:r>
+            <a:r>
+              <a:rPr lang="zh-CN" altLang="en-US" dirty="0" smtClean="0"/>
+              <a:t>适配</a:t>
+            </a:r>
+            <a:endParaRPr lang="en-US" altLang="zh-CN" dirty="0" smtClean="0"/>
+          </a:p>
+          <a:p>
+            <a:pPr lvl="1"/>
+            <a:r>
+              <a:rPr lang="zh-CN" altLang="en-US" dirty="0" smtClean="0"/>
+              <a:t>项目描述：负责</a:t>
+            </a:r>
+            <a:r>
+              <a:rPr lang="en-US" altLang="zh-CN" dirty="0" smtClean="0"/>
+              <a:t>MTK</a:t>
+            </a:r>
+            <a:r>
+              <a:rPr lang="zh-CN" altLang="en-US" dirty="0" smtClean="0"/>
+              <a:t>机型的</a:t>
+            </a:r>
+            <a:r>
+              <a:rPr lang="en-US" altLang="zh-CN" dirty="0" err="1" smtClean="0"/>
+              <a:t>YunOS</a:t>
+            </a:r>
+            <a:r>
+              <a:rPr lang="en-US" altLang="zh-CN" dirty="0" smtClean="0"/>
+              <a:t> Rom</a:t>
+            </a:r>
+            <a:r>
+              <a:rPr lang="zh-CN" altLang="en-US" dirty="0" smtClean="0"/>
+              <a:t>适配</a:t>
+            </a:r>
+            <a:r>
+              <a:rPr lang="en-US" altLang="zh-CN" dirty="0" smtClean="0"/>
+              <a:t>.</a:t>
+            </a:r>
+            <a:r>
+              <a:rPr lang="zh-CN" altLang="en-US" dirty="0" smtClean="0"/>
+              <a:t>主要是通过编译和拼包的方式将</a:t>
+            </a:r>
+            <a:r>
+              <a:rPr lang="en-US" altLang="zh-CN" dirty="0" err="1" smtClean="0"/>
+              <a:t>YunOS</a:t>
+            </a:r>
+            <a:r>
+              <a:rPr lang="zh-CN" altLang="en-US" dirty="0" smtClean="0"/>
+              <a:t>的</a:t>
+            </a:r>
+            <a:r>
+              <a:rPr lang="en-US" altLang="zh-CN" dirty="0" smtClean="0"/>
+              <a:t>Rom</a:t>
+            </a:r>
+            <a:r>
+              <a:rPr lang="zh-CN" altLang="en-US" dirty="0" smtClean="0"/>
+              <a:t>和</a:t>
+            </a:r>
+            <a:r>
+              <a:rPr lang="en-US" altLang="zh-CN" dirty="0" smtClean="0"/>
+              <a:t>MTK</a:t>
+            </a:r>
+            <a:r>
+              <a:rPr lang="zh-CN" altLang="en-US" dirty="0" smtClean="0"/>
+              <a:t>具体机型的</a:t>
+            </a:r>
+            <a:r>
+              <a:rPr lang="en-US" altLang="zh-CN" dirty="0" smtClean="0"/>
+              <a:t>Rom</a:t>
+            </a:r>
+            <a:r>
+              <a:rPr lang="zh-CN" altLang="en-US" dirty="0" smtClean="0"/>
+              <a:t>进行拼装移植。</a:t>
+            </a:r>
+            <a:endParaRPr lang="en-US" altLang="zh-CN" dirty="0" smtClean="0"/>
+          </a:p>
+          <a:p>
+            <a:pPr lvl="1"/>
+            <a:r>
+              <a:rPr lang="zh-CN" altLang="en-US" dirty="0" smtClean="0"/>
+              <a:t>主要工作：</a:t>
+            </a:r>
+            <a:endParaRPr lang="en-US" altLang="zh-CN" dirty="0" smtClean="0"/>
+          </a:p>
+          <a:p>
+            <a:pPr lvl="2"/>
+            <a:r>
+              <a:rPr lang="zh-CN" altLang="en-US" dirty="0" smtClean="0"/>
+              <a:t>编写</a:t>
+            </a:r>
+            <a:r>
+              <a:rPr lang="en-US" altLang="zh-CN" dirty="0" smtClean="0"/>
+              <a:t>Android.mk</a:t>
+            </a:r>
+            <a:r>
+              <a:rPr lang="zh-CN" altLang="en-US" dirty="0" smtClean="0"/>
+              <a:t>单独修改和编译模块</a:t>
+            </a:r>
+            <a:r>
+              <a:rPr lang="en-US" altLang="zh-CN" dirty="0" smtClean="0"/>
+              <a:t>,</a:t>
+            </a:r>
+            <a:r>
+              <a:rPr lang="zh-CN" altLang="en-US" dirty="0" smtClean="0"/>
+              <a:t>掌握</a:t>
+            </a:r>
+            <a:r>
+              <a:rPr lang="en-US" altLang="zh-CN" dirty="0" smtClean="0"/>
+              <a:t>Android Rom</a:t>
+            </a:r>
+            <a:r>
+              <a:rPr lang="zh-CN" altLang="en-US" dirty="0" smtClean="0"/>
+              <a:t>编译体系</a:t>
+            </a:r>
+            <a:r>
+              <a:rPr lang="en-US" altLang="zh-CN" dirty="0" smtClean="0"/>
+              <a:t>,</a:t>
+            </a:r>
+            <a:r>
+              <a:rPr lang="zh-CN" altLang="en-US" dirty="0" smtClean="0"/>
+              <a:t>并对</a:t>
+            </a:r>
+            <a:r>
+              <a:rPr lang="en-US" altLang="zh-CN" dirty="0" err="1" smtClean="0"/>
+              <a:t>boot.img</a:t>
+            </a:r>
+            <a:r>
+              <a:rPr lang="zh-CN" altLang="en-US" dirty="0" smtClean="0"/>
+              <a:t>和</a:t>
+            </a:r>
+            <a:r>
+              <a:rPr lang="en-US" altLang="zh-CN" dirty="0" err="1" smtClean="0"/>
+              <a:t>system.img</a:t>
+            </a:r>
+            <a:r>
+              <a:rPr lang="zh-CN" altLang="en-US" dirty="0" smtClean="0"/>
+              <a:t>进行解包和重新打包。</a:t>
+            </a:r>
+            <a:endParaRPr lang="en-US" altLang="zh-CN" dirty="0" smtClean="0"/>
+          </a:p>
+          <a:p>
+            <a:pPr lvl="2"/>
+            <a:r>
+              <a:rPr lang="zh-CN" altLang="en-US" dirty="0" smtClean="0"/>
+              <a:t>从</a:t>
+            </a:r>
+            <a:r>
+              <a:rPr lang="en-US" altLang="zh-CN" dirty="0" err="1" smtClean="0"/>
+              <a:t>abd</a:t>
+            </a:r>
+            <a:r>
+              <a:rPr lang="en-US" altLang="zh-CN" dirty="0" smtClean="0"/>
+              <a:t> log</a:t>
+            </a:r>
+            <a:r>
+              <a:rPr lang="zh-CN" altLang="en-US" dirty="0" smtClean="0"/>
+              <a:t>分析分析系统起机遇到的问题</a:t>
+            </a:r>
+            <a:r>
+              <a:rPr lang="en-US" altLang="zh-CN" dirty="0" smtClean="0"/>
+              <a:t>,</a:t>
+            </a:r>
+            <a:r>
+              <a:rPr lang="zh-CN" altLang="en-US" dirty="0" smtClean="0"/>
+              <a:t>并能通过修改</a:t>
+            </a:r>
+            <a:r>
+              <a:rPr lang="en-US" altLang="zh-CN" dirty="0" err="1" smtClean="0"/>
+              <a:t>init</a:t>
+            </a:r>
+            <a:r>
+              <a:rPr lang="zh-CN" altLang="en-US" dirty="0" smtClean="0"/>
+              <a:t>模块</a:t>
+            </a:r>
+            <a:r>
+              <a:rPr lang="en-US" altLang="zh-CN" dirty="0" smtClean="0"/>
+              <a:t>,</a:t>
+            </a:r>
+            <a:r>
+              <a:rPr lang="zh-CN" altLang="en-US" dirty="0" smtClean="0"/>
+              <a:t>分析</a:t>
+            </a:r>
+            <a:r>
+              <a:rPr lang="en-US" altLang="zh-CN" dirty="0" smtClean="0"/>
+              <a:t>zygote</a:t>
+            </a:r>
+            <a:r>
+              <a:rPr lang="zh-CN" altLang="en-US" dirty="0" smtClean="0"/>
+              <a:t>和</a:t>
+            </a:r>
+            <a:r>
+              <a:rPr lang="en-US" altLang="zh-CN" dirty="0" smtClean="0"/>
+              <a:t>system server</a:t>
+            </a:r>
+            <a:r>
+              <a:rPr lang="zh-CN" altLang="en-US" dirty="0" smtClean="0"/>
+              <a:t>源码来解决相应的问题</a:t>
+            </a:r>
+            <a:endParaRPr lang="en-US" altLang="zh-CN" dirty="0" smtClean="0"/>
+          </a:p>
+          <a:p>
+            <a:pPr lvl="2"/>
+            <a:r>
+              <a:rPr lang="zh-CN" altLang="en-US" dirty="0" smtClean="0"/>
+              <a:t>编写</a:t>
+            </a:r>
+            <a:r>
+              <a:rPr lang="en-US" altLang="zh-CN" dirty="0" smtClean="0"/>
+              <a:t>Edify</a:t>
+            </a:r>
+            <a:r>
+              <a:rPr lang="zh-CN" altLang="en-US" dirty="0" smtClean="0"/>
+              <a:t>刷机脚本</a:t>
+            </a:r>
+            <a:r>
+              <a:rPr lang="en-US" altLang="zh-CN" dirty="0" smtClean="0"/>
+              <a:t>,</a:t>
+            </a:r>
+            <a:r>
+              <a:rPr lang="zh-CN" altLang="en-US" dirty="0" smtClean="0"/>
+              <a:t>通过</a:t>
+            </a:r>
+            <a:r>
+              <a:rPr lang="en-US" altLang="zh-CN" dirty="0" err="1" smtClean="0"/>
+              <a:t>Fastboot</a:t>
+            </a:r>
+            <a:r>
+              <a:rPr lang="zh-CN" altLang="en-US" dirty="0" smtClean="0"/>
+              <a:t>和</a:t>
+            </a:r>
+            <a:r>
+              <a:rPr lang="en-US" altLang="zh-CN" dirty="0" smtClean="0"/>
+              <a:t>Recovery</a:t>
+            </a:r>
+            <a:r>
+              <a:rPr lang="zh-CN" altLang="en-US" dirty="0" smtClean="0"/>
+              <a:t>对机型进行移植测试</a:t>
+            </a:r>
+            <a:r>
+              <a:rPr lang="en-US" altLang="zh-CN" dirty="0" smtClean="0"/>
+              <a:t>.</a:t>
+            </a:r>
+            <a:r>
+              <a:rPr lang="zh-CN" altLang="en-US" dirty="0" smtClean="0"/>
+              <a:t>并编译</a:t>
+            </a:r>
+            <a:r>
+              <a:rPr lang="en-US" altLang="zh-CN" dirty="0" smtClean="0"/>
+              <a:t>shell</a:t>
+            </a:r>
+            <a:r>
+              <a:rPr lang="zh-CN" altLang="en-US" dirty="0" smtClean="0"/>
+              <a:t>脚本</a:t>
+            </a:r>
+            <a:r>
+              <a:rPr lang="en-US" altLang="zh-CN" dirty="0" smtClean="0"/>
+              <a:t>,</a:t>
+            </a:r>
+            <a:r>
+              <a:rPr lang="zh-CN" altLang="en-US" dirty="0" smtClean="0"/>
+              <a:t>将重复过程脚本化</a:t>
+            </a:r>
+            <a:endParaRPr lang="en-US" altLang="zh-CN" dirty="0" smtClean="0"/>
+          </a:p>
+          <a:p>
+            <a:pPr lvl="2"/>
+            <a:r>
+              <a:rPr lang="zh-CN" altLang="en-US" dirty="0" smtClean="0"/>
+              <a:t>熟悉</a:t>
+            </a:r>
+            <a:r>
+              <a:rPr lang="en-US" altLang="zh-CN" dirty="0" smtClean="0"/>
+              <a:t>Android Framework</a:t>
+            </a:r>
+            <a:r>
+              <a:rPr lang="zh-CN" altLang="en-US" dirty="0" smtClean="0"/>
+              <a:t>层</a:t>
+            </a:r>
+            <a:r>
+              <a:rPr lang="en-US" altLang="zh-CN" dirty="0" smtClean="0"/>
+              <a:t>jar</a:t>
+            </a:r>
+            <a:r>
+              <a:rPr lang="zh-CN" altLang="en-US" dirty="0" smtClean="0"/>
+              <a:t>包的作用和</a:t>
+            </a:r>
+            <a:r>
+              <a:rPr lang="en-US" altLang="zh-CN" dirty="0" smtClean="0"/>
+              <a:t>JNI</a:t>
+            </a:r>
+            <a:r>
+              <a:rPr lang="zh-CN" altLang="en-US" dirty="0" smtClean="0"/>
+              <a:t>层大部分动态库的作用</a:t>
+            </a:r>
+            <a:r>
+              <a:rPr lang="en-US" altLang="zh-CN" dirty="0" smtClean="0"/>
+              <a:t>,</a:t>
+            </a:r>
+            <a:r>
+              <a:rPr lang="zh-CN" altLang="en-US" dirty="0" smtClean="0"/>
+              <a:t>便于遇到问题时替换相应的</a:t>
+            </a:r>
+            <a:r>
+              <a:rPr lang="en-US" altLang="zh-CN" dirty="0" smtClean="0"/>
+              <a:t>so</a:t>
+            </a:r>
+            <a:r>
+              <a:rPr lang="zh-CN" altLang="en-US" dirty="0" smtClean="0"/>
+              <a:t>库</a:t>
+            </a:r>
+            <a:r>
+              <a:rPr lang="en-US" altLang="zh-CN" dirty="0" smtClean="0"/>
+              <a:t>.</a:t>
+            </a:r>
+          </a:p>
+          <a:p>
+            <a:r>
+              <a:rPr lang="zh-CN" altLang="en-US" dirty="0" smtClean="0"/>
+              <a:t>成果：该项目适配超过</a:t>
+            </a:r>
+            <a:r>
+              <a:rPr lang="en-US" altLang="zh-CN" dirty="0" smtClean="0"/>
+              <a:t>20</a:t>
+            </a:r>
+            <a:r>
+              <a:rPr lang="zh-CN" altLang="en-US" dirty="0" smtClean="0"/>
+              <a:t>款机型</a:t>
+            </a:r>
+            <a:r>
+              <a:rPr lang="en-US" altLang="zh-CN" dirty="0" smtClean="0"/>
+              <a:t>,</a:t>
+            </a:r>
+            <a:r>
+              <a:rPr lang="zh-CN" altLang="en-US" dirty="0" smtClean="0"/>
+              <a:t>并为</a:t>
+            </a:r>
+            <a:r>
+              <a:rPr lang="en-US" altLang="zh-CN" dirty="0" err="1" smtClean="0"/>
+              <a:t>YunOS</a:t>
+            </a:r>
+            <a:r>
+              <a:rPr lang="zh-CN" altLang="en-US" dirty="0" smtClean="0"/>
+              <a:t>增加了百万激活量</a:t>
+            </a:r>
+            <a:r>
+              <a:rPr lang="en-US" altLang="zh-CN" dirty="0" smtClean="0"/>
+              <a:t>.</a:t>
+            </a:r>
           </a:p>
         </p:txBody>
       </p:sp>
     </p:spTree>
     <p:extLst>
       <p:ext uri="{BB962C8B-B14F-4D97-AF65-F5344CB8AC3E}">
-        <p14:creationId xmlns:p14="http://schemas.microsoft.com/office/powerpoint/2010/main" val="463262965"/>
+        <p14:creationId xmlns:p14="http://schemas.microsoft.com/office/powerpoint/2010/main" val="1076294825"/>
       </p:ext>
     </p:extLst>
   </p:cSld>
@@ -4145,6 +4676,468 @@
       </p:par>
     </p:tnLst>
   </p:timing>
+</p:sld>
+</file>
+
+<file path=ppt/slides/slide13.xml><?xml version="1.0" encoding="utf-8"?>
+<p:sld xmlns:a="http://schemas.openxmlformats.org/drawingml/2006/main" xmlns:r="http://schemas.openxmlformats.org/officeDocument/2006/relationships" xmlns:p="http://schemas.openxmlformats.org/presentationml/2006/main">
+  <p:cSld>
+    <p:spTree>
+      <p:nvGrpSpPr>
+        <p:cNvPr id="1" name=""/>
+        <p:cNvGrpSpPr/>
+        <p:nvPr/>
+      </p:nvGrpSpPr>
+      <p:grpSpPr>
+        <a:xfrm>
+          <a:off x="0" y="0"/>
+          <a:ext cx="0" cy="0"/>
+          <a:chOff x="0" y="0"/>
+          <a:chExt cx="0" cy="0"/>
+        </a:xfrm>
+      </p:grpSpPr>
+      <p:sp>
+        <p:nvSpPr>
+          <p:cNvPr id="2" name="标题 1"/>
+          <p:cNvSpPr>
+            <a:spLocks noGrp="1"/>
+          </p:cNvSpPr>
+          <p:nvPr>
+            <p:ph type="title"/>
+          </p:nvPr>
+        </p:nvSpPr>
+        <p:spPr/>
+        <p:txBody>
+          <a:bodyPr/>
+          <a:lstStyle/>
+          <a:p>
+            <a:r>
+              <a:rPr lang="zh-CN" altLang="en-US" dirty="0" smtClean="0"/>
+              <a:t>我参与的项目</a:t>
+            </a:r>
+            <a:r>
+              <a:rPr lang="en-US" altLang="zh-CN" dirty="0" smtClean="0"/>
+              <a:t>(</a:t>
+            </a:r>
+            <a:r>
+              <a:rPr lang="zh-CN" altLang="en-US" dirty="0" smtClean="0"/>
+              <a:t>三</a:t>
+            </a:r>
+            <a:r>
+              <a:rPr lang="en-US" altLang="zh-CN" dirty="0" smtClean="0"/>
+              <a:t>)</a:t>
+            </a:r>
+            <a:endParaRPr lang="zh-CN" altLang="en-US" dirty="0"/>
+          </a:p>
+        </p:txBody>
+      </p:sp>
+      <p:sp>
+        <p:nvSpPr>
+          <p:cNvPr id="3" name="内容占位符 2"/>
+          <p:cNvSpPr>
+            <a:spLocks noGrp="1"/>
+          </p:cNvSpPr>
+          <p:nvPr>
+            <p:ph idx="1"/>
+          </p:nvPr>
+        </p:nvSpPr>
+        <p:spPr/>
+        <p:txBody>
+          <a:bodyPr>
+            <a:normAutofit lnSpcReduction="10000"/>
+          </a:bodyPr>
+          <a:lstStyle/>
+          <a:p>
+            <a:r>
+              <a:rPr lang="zh-CN" altLang="en-US" dirty="0" smtClean="0"/>
+              <a:t>荔枝项目系统升级方案</a:t>
+            </a:r>
+            <a:endParaRPr lang="en-US" altLang="zh-CN" dirty="0" smtClean="0"/>
+          </a:p>
+          <a:p>
+            <a:pPr lvl="1"/>
+            <a:r>
+              <a:rPr lang="zh-CN" altLang="en-US" dirty="0" smtClean="0"/>
+              <a:t>项目背景：提出并实现了荔枝项目升级采用的</a:t>
+            </a:r>
+            <a:r>
+              <a:rPr lang="en-US" altLang="zh-CN" dirty="0" smtClean="0"/>
+              <a:t>Recovery</a:t>
+            </a:r>
+            <a:r>
+              <a:rPr lang="zh-CN" altLang="en-US" dirty="0" smtClean="0"/>
+              <a:t>方案，替代了之前不稳定的热升级机制。</a:t>
+            </a:r>
+            <a:endParaRPr lang="en-US" altLang="zh-CN" dirty="0" smtClean="0"/>
+          </a:p>
+          <a:p>
+            <a:pPr lvl="1"/>
+            <a:r>
+              <a:rPr lang="zh-CN" altLang="en-US" dirty="0" smtClean="0"/>
+              <a:t>工作成果：</a:t>
+            </a:r>
+            <a:endParaRPr lang="en-US" altLang="zh-CN" dirty="0" smtClean="0"/>
+          </a:p>
+          <a:p>
+            <a:pPr lvl="2"/>
+            <a:r>
+              <a:rPr lang="zh-CN" altLang="en-US" dirty="0" smtClean="0"/>
+              <a:t>解决了荔枝系统升级方案在实现过程中遇到的编译、签名校验、全量包和差分包生成、</a:t>
+            </a:r>
+            <a:r>
+              <a:rPr lang="en-US" altLang="zh-CN" dirty="0" smtClean="0"/>
+              <a:t>Recovery</a:t>
+            </a:r>
+            <a:r>
+              <a:rPr lang="zh-CN" altLang="en-US" dirty="0" smtClean="0"/>
+              <a:t>适配等重要问题。</a:t>
+            </a:r>
+            <a:endParaRPr lang="en-US" altLang="zh-CN" dirty="0" smtClean="0"/>
+          </a:p>
+          <a:p>
+            <a:pPr lvl="2"/>
+            <a:r>
+              <a:rPr lang="zh-CN" altLang="en-US" dirty="0" smtClean="0"/>
+              <a:t>协助</a:t>
+            </a:r>
+            <a:r>
+              <a:rPr lang="en-US" altLang="zh-CN" dirty="0" smtClean="0"/>
+              <a:t>SCM</a:t>
+            </a:r>
+            <a:r>
+              <a:rPr lang="zh-CN" altLang="en-US" dirty="0" smtClean="0"/>
+              <a:t>，推动系统升级自动化流程。</a:t>
+            </a:r>
+            <a:endParaRPr lang="en-US" altLang="zh-CN" dirty="0" smtClean="0"/>
+          </a:p>
+          <a:p>
+            <a:pPr lvl="2"/>
+            <a:r>
+              <a:rPr lang="zh-CN" altLang="en-US" dirty="0" smtClean="0"/>
+              <a:t> 在多个</a:t>
+            </a:r>
+            <a:r>
+              <a:rPr lang="en-US" altLang="zh-CN" dirty="0" smtClean="0"/>
+              <a:t>m200</a:t>
+            </a:r>
+            <a:r>
+              <a:rPr lang="zh-CN" altLang="en-US" dirty="0" smtClean="0"/>
+              <a:t>平台硬件上适配荔枝系统，便于荔枝项目推广。</a:t>
+            </a:r>
+            <a:endParaRPr lang="en-US" altLang="zh-CN" dirty="0"/>
+          </a:p>
+          <a:p>
+            <a:r>
+              <a:rPr lang="zh-CN" altLang="en-US" dirty="0" smtClean="0"/>
+              <a:t>成果：支撑了荔枝系统多次成功升级。</a:t>
+            </a:r>
+            <a:endParaRPr lang="en-US" altLang="zh-CN" dirty="0" smtClean="0"/>
+          </a:p>
+          <a:p>
+            <a:endParaRPr lang="zh-CN" altLang="en-US" dirty="0"/>
+          </a:p>
+        </p:txBody>
+      </p:sp>
+    </p:spTree>
+    <p:extLst>
+      <p:ext uri="{BB962C8B-B14F-4D97-AF65-F5344CB8AC3E}">
+        <p14:creationId xmlns:p14="http://schemas.microsoft.com/office/powerpoint/2010/main" val="1628036969"/>
+      </p:ext>
+    </p:extLst>
+  </p:cSld>
+  <p:clrMapOvr>
+    <a:masterClrMapping/>
+  </p:clrMapOvr>
+  <p:timing>
+    <p:tnLst>
+      <p:par>
+        <p:cTn id="1" dur="indefinite" restart="never" nodeType="tmRoot"/>
+      </p:par>
+    </p:tnLst>
+  </p:timing>
+</p:sld>
+</file>
+
+<file path=ppt/slides/slide14.xml><?xml version="1.0" encoding="utf-8"?>
+<p:sld xmlns:a="http://schemas.openxmlformats.org/drawingml/2006/main" xmlns:r="http://schemas.openxmlformats.org/officeDocument/2006/relationships" xmlns:p="http://schemas.openxmlformats.org/presentationml/2006/main">
+  <p:cSld>
+    <p:spTree>
+      <p:nvGrpSpPr>
+        <p:cNvPr id="1" name=""/>
+        <p:cNvGrpSpPr/>
+        <p:nvPr/>
+      </p:nvGrpSpPr>
+      <p:grpSpPr>
+        <a:xfrm>
+          <a:off x="0" y="0"/>
+          <a:ext cx="0" cy="0"/>
+          <a:chOff x="0" y="0"/>
+          <a:chExt cx="0" cy="0"/>
+        </a:xfrm>
+      </p:grpSpPr>
+      <p:sp>
+        <p:nvSpPr>
+          <p:cNvPr id="2" name="标题 1"/>
+          <p:cNvSpPr>
+            <a:spLocks noGrp="1"/>
+          </p:cNvSpPr>
+          <p:nvPr>
+            <p:ph type="title"/>
+          </p:nvPr>
+        </p:nvSpPr>
+        <p:spPr/>
+        <p:txBody>
+          <a:bodyPr/>
+          <a:lstStyle/>
+          <a:p>
+            <a:r>
+              <a:rPr lang="zh-CN" altLang="en-US" dirty="0" smtClean="0"/>
+              <a:t>个人成长与展望</a:t>
+            </a:r>
+            <a:endParaRPr lang="zh-CN" altLang="en-US" dirty="0"/>
+          </a:p>
+        </p:txBody>
+      </p:sp>
+      <p:sp>
+        <p:nvSpPr>
+          <p:cNvPr id="3" name="内容占位符 2"/>
+          <p:cNvSpPr>
+            <a:spLocks noGrp="1"/>
+          </p:cNvSpPr>
+          <p:nvPr>
+            <p:ph idx="1"/>
+          </p:nvPr>
+        </p:nvSpPr>
+        <p:spPr/>
+        <p:txBody>
+          <a:bodyPr>
+            <a:normAutofit fontScale="92500" lnSpcReduction="20000"/>
+          </a:bodyPr>
+          <a:lstStyle/>
+          <a:p>
+            <a:pPr marL="0" indent="0">
+              <a:buNone/>
+            </a:pPr>
+            <a:r>
+              <a:rPr lang="zh-CN" altLang="en-US" b="1" dirty="0" smtClean="0"/>
+              <a:t>个人成长</a:t>
+            </a:r>
+            <a:endParaRPr lang="en-US" altLang="zh-CN" b="1" dirty="0" smtClean="0"/>
+          </a:p>
+          <a:p>
+            <a:pPr lvl="1"/>
+            <a:r>
+              <a:rPr lang="zh-CN" altLang="en-US" dirty="0" smtClean="0"/>
+              <a:t>技术规划能力：</a:t>
+            </a:r>
+            <a:r>
+              <a:rPr lang="zh-CN" altLang="en-US" dirty="0"/>
+              <a:t>负责</a:t>
+            </a:r>
+            <a:r>
+              <a:rPr lang="en-US" altLang="zh-CN" dirty="0" smtClean="0"/>
+              <a:t>MTK</a:t>
+            </a:r>
+            <a:r>
+              <a:rPr lang="zh-CN" altLang="en-US" dirty="0"/>
+              <a:t>  </a:t>
+            </a:r>
+            <a:r>
+              <a:rPr lang="en-US" altLang="zh-CN" dirty="0" smtClean="0"/>
+              <a:t>ROM</a:t>
+            </a:r>
+            <a:r>
+              <a:rPr lang="zh-CN" altLang="en-US" dirty="0" smtClean="0"/>
+              <a:t>适配，负责全智能手表多个应用的规划和执行</a:t>
+            </a:r>
+            <a:endParaRPr lang="en-US" altLang="zh-CN" dirty="0" smtClean="0"/>
+          </a:p>
+          <a:p>
+            <a:pPr lvl="1"/>
+            <a:r>
+              <a:rPr lang="zh-CN" altLang="en-US" dirty="0" smtClean="0"/>
+              <a:t>技术把控能力：移动端开发从应用层到</a:t>
+            </a:r>
+            <a:r>
+              <a:rPr lang="en-US" altLang="zh-CN" dirty="0" smtClean="0"/>
+              <a:t>Framework</a:t>
+            </a:r>
+            <a:r>
+              <a:rPr lang="zh-CN" altLang="en-US" dirty="0" smtClean="0"/>
+              <a:t>层均有技术积累和沉淀</a:t>
+            </a:r>
+            <a:endParaRPr lang="en-US" altLang="zh-CN" dirty="0" smtClean="0"/>
+          </a:p>
+          <a:p>
+            <a:pPr lvl="1"/>
+            <a:r>
+              <a:rPr lang="zh-CN" altLang="en-US" dirty="0" smtClean="0"/>
+              <a:t>新人培养能力：授人以渔，经过指导和协作，组内的新同学已经成功具备移动端开发能力</a:t>
+            </a:r>
+            <a:endParaRPr lang="en-US" altLang="zh-CN" dirty="0"/>
+          </a:p>
+          <a:p>
+            <a:pPr marL="0" indent="0">
+              <a:buNone/>
+            </a:pPr>
+            <a:endParaRPr lang="en-US" altLang="zh-CN" dirty="0" smtClean="0"/>
+          </a:p>
+          <a:p>
+            <a:pPr marL="0" indent="0">
+              <a:buNone/>
+            </a:pPr>
+            <a:r>
+              <a:rPr lang="zh-CN" altLang="en-US" b="1" dirty="0" smtClean="0"/>
+              <a:t>展望</a:t>
+            </a:r>
+            <a:endParaRPr lang="en-US" altLang="zh-CN" b="1" dirty="0" smtClean="0"/>
+          </a:p>
+          <a:p>
+            <a:pPr lvl="1"/>
+            <a:r>
+              <a:rPr lang="zh-CN" altLang="en-US" dirty="0" smtClean="0"/>
+              <a:t>继续提升和优化的应用层开发能力，推动并提速</a:t>
+            </a:r>
+            <a:r>
+              <a:rPr lang="en-US" altLang="zh-CN" dirty="0" smtClean="0"/>
+              <a:t>IDC</a:t>
+            </a:r>
+            <a:r>
+              <a:rPr lang="zh-CN" altLang="en-US" dirty="0" smtClean="0"/>
+              <a:t>全智能的开发</a:t>
+            </a:r>
+            <a:endParaRPr lang="en-US" altLang="zh-CN" dirty="0" smtClean="0"/>
+          </a:p>
+          <a:p>
+            <a:pPr lvl="1"/>
+            <a:r>
+              <a:rPr lang="zh-CN" altLang="en-US" dirty="0" smtClean="0"/>
+              <a:t>学习</a:t>
+            </a:r>
+            <a:r>
+              <a:rPr lang="en-US" altLang="zh-CN" dirty="0" err="1" smtClean="0"/>
+              <a:t>YunOS</a:t>
+            </a:r>
+            <a:r>
+              <a:rPr lang="en-US" altLang="zh-CN" dirty="0" smtClean="0"/>
+              <a:t> 4.0</a:t>
+            </a:r>
+            <a:r>
+              <a:rPr lang="zh-CN" altLang="en-US" dirty="0" smtClean="0"/>
+              <a:t>体系框架，与</a:t>
+            </a:r>
+            <a:r>
+              <a:rPr lang="en-US" altLang="zh-CN" dirty="0" smtClean="0"/>
+              <a:t>IDC</a:t>
+            </a:r>
+            <a:r>
+              <a:rPr lang="zh-CN" altLang="en-US" dirty="0" smtClean="0"/>
+              <a:t>平台融合，促进</a:t>
+            </a:r>
+            <a:r>
+              <a:rPr lang="en-US" altLang="zh-CN" dirty="0" smtClean="0"/>
+              <a:t>4.0</a:t>
+            </a:r>
+            <a:r>
+              <a:rPr lang="zh-CN" altLang="en-US" dirty="0" smtClean="0"/>
+              <a:t>的落地和推广</a:t>
+            </a:r>
+            <a:endParaRPr lang="en-US" altLang="zh-CN" dirty="0" smtClean="0"/>
+          </a:p>
+          <a:p>
+            <a:pPr lvl="1"/>
+            <a:r>
+              <a:rPr lang="zh-CN" altLang="en-US" dirty="0" smtClean="0"/>
+              <a:t>增强新人培养能力，将自己所学能够更好的分享给其他人</a:t>
+            </a:r>
+            <a:endParaRPr lang="zh-CN" altLang="en-US" dirty="0"/>
+          </a:p>
+        </p:txBody>
+      </p:sp>
+    </p:spTree>
+    <p:extLst>
+      <p:ext uri="{BB962C8B-B14F-4D97-AF65-F5344CB8AC3E}">
+        <p14:creationId xmlns:p14="http://schemas.microsoft.com/office/powerpoint/2010/main" val="1197997373"/>
+      </p:ext>
+    </p:extLst>
+  </p:cSld>
+  <p:clrMapOvr>
+    <a:masterClrMapping/>
+  </p:clrMapOvr>
+</p:sld>
+</file>
+
+<file path=ppt/slides/slide15.xml><?xml version="1.0" encoding="utf-8"?>
+<p:sld xmlns:a="http://schemas.openxmlformats.org/drawingml/2006/main" xmlns:r="http://schemas.openxmlformats.org/officeDocument/2006/relationships" xmlns:p="http://schemas.openxmlformats.org/presentationml/2006/main">
+  <p:cSld>
+    <p:spTree>
+      <p:nvGrpSpPr>
+        <p:cNvPr id="1" name=""/>
+        <p:cNvGrpSpPr/>
+        <p:nvPr/>
+      </p:nvGrpSpPr>
+      <p:grpSpPr>
+        <a:xfrm>
+          <a:off x="0" y="0"/>
+          <a:ext cx="0" cy="0"/>
+          <a:chOff x="0" y="0"/>
+          <a:chExt cx="0" cy="0"/>
+        </a:xfrm>
+      </p:grpSpPr>
+      <p:sp>
+        <p:nvSpPr>
+          <p:cNvPr id="3" name="内容占位符 2"/>
+          <p:cNvSpPr>
+            <a:spLocks noGrp="1"/>
+          </p:cNvSpPr>
+          <p:nvPr>
+            <p:ph idx="1"/>
+          </p:nvPr>
+        </p:nvSpPr>
+        <p:spPr/>
+        <p:txBody>
+          <a:bodyPr/>
+          <a:lstStyle/>
+          <a:p>
+            <a:pPr marL="0" indent="0" algn="ctr">
+              <a:buNone/>
+            </a:pPr>
+            <a:endParaRPr lang="en-US" altLang="zh-CN" dirty="0" smtClean="0"/>
+          </a:p>
+          <a:p>
+            <a:pPr marL="0" indent="0" algn="ctr">
+              <a:buNone/>
+            </a:pPr>
+            <a:endParaRPr lang="en-US" altLang="zh-CN" dirty="0"/>
+          </a:p>
+          <a:p>
+            <a:pPr marL="0" indent="0" algn="ctr">
+              <a:buNone/>
+            </a:pPr>
+            <a:endParaRPr lang="en-US" altLang="zh-CN" dirty="0" smtClean="0"/>
+          </a:p>
+          <a:p>
+            <a:pPr marL="0" indent="0" algn="ctr">
+              <a:buNone/>
+            </a:pPr>
+            <a:r>
+              <a:rPr lang="en-US" altLang="zh-CN" sz="4800" b="1" dirty="0" smtClean="0"/>
+              <a:t>Thanks</a:t>
+            </a:r>
+            <a:endParaRPr lang="zh-CN" altLang="en-US" sz="4800" b="1" dirty="0"/>
+          </a:p>
+        </p:txBody>
+      </p:sp>
+    </p:spTree>
+    <p:extLst>
+      <p:ext uri="{BB962C8B-B14F-4D97-AF65-F5344CB8AC3E}">
+        <p14:creationId xmlns:p14="http://schemas.microsoft.com/office/powerpoint/2010/main" val="1963448177"/>
+      </p:ext>
+    </p:extLst>
+  </p:cSld>
+  <p:clrMapOvr>
+    <a:masterClrMapping/>
+  </p:clrMapOvr>
 </p:sld>
 </file>
 
@@ -4180,12 +5173,11 @@
           <a:bodyPr/>
           <a:lstStyle/>
           <a:p>
-            <a:pPr algn="l"/>
-            <a:r>
-              <a:rPr lang="zh-CN" altLang="en-US" dirty="0" smtClean="0"/>
-              <a:t>提纲</a:t>
-            </a:r>
-            <a:endParaRPr lang="zh-CN" altLang="en-US" dirty="0"/>
+            <a:r>
+              <a:rPr lang="zh-CN" altLang="en-US" b="1" dirty="0" smtClean="0"/>
+              <a:t>个人简介</a:t>
+            </a:r>
+            <a:endParaRPr lang="zh-CN" altLang="en-US" b="1" dirty="0"/>
           </a:p>
         </p:txBody>
       </p:sp>
@@ -4204,36 +5196,161 @@
           <a:bodyPr/>
           <a:lstStyle/>
           <a:p>
-            <a:r>
-              <a:rPr lang="zh-CN" altLang="en-US" dirty="0" smtClean="0"/>
+            <a:pPr marL="0" indent="0">
+              <a:buNone/>
+            </a:pPr>
+            <a:r>
+              <a:rPr lang="zh-CN" altLang="en-US" sz="2400" dirty="0" smtClean="0"/>
+              <a:t>阿里工作经历</a:t>
+            </a:r>
+            <a:endParaRPr lang="en-US" altLang="zh-CN" sz="2400" dirty="0" smtClean="0"/>
+          </a:p>
+          <a:p>
+            <a:pPr lvl="1"/>
+            <a:r>
+              <a:rPr lang="en-US" altLang="zh-CN" sz="2400" dirty="0" smtClean="0"/>
+              <a:t>2014</a:t>
+            </a:r>
+            <a:r>
+              <a:rPr lang="zh-CN" altLang="en-US" sz="2400" dirty="0" smtClean="0"/>
+              <a:t>年</a:t>
+            </a:r>
+            <a:r>
+              <a:rPr lang="en-US" altLang="zh-CN" sz="2400" dirty="0" smtClean="0"/>
+              <a:t>7</a:t>
+            </a:r>
+            <a:r>
+              <a:rPr lang="zh-CN" altLang="en-US" sz="2400" dirty="0" smtClean="0"/>
+              <a:t>月正式加入</a:t>
+            </a:r>
+            <a:r>
+              <a:rPr lang="en-US" altLang="zh-CN" sz="2400" dirty="0" err="1" smtClean="0"/>
+              <a:t>YunOS</a:t>
+            </a:r>
+            <a:r>
+              <a:rPr lang="zh-CN" altLang="en-US" sz="2400" dirty="0" smtClean="0"/>
+              <a:t>大家庭</a:t>
+            </a:r>
+            <a:endParaRPr lang="en-US" altLang="zh-CN" sz="2400" dirty="0" smtClean="0"/>
+          </a:p>
+          <a:p>
+            <a:pPr marL="0" indent="0">
+              <a:buNone/>
+            </a:pPr>
+            <a:endParaRPr lang="en-US" altLang="zh-CN" sz="2400" dirty="0"/>
+          </a:p>
+          <a:p>
+            <a:pPr marL="0" indent="0">
+              <a:buNone/>
+            </a:pPr>
+            <a:r>
+              <a:rPr lang="zh-CN" altLang="en-US" sz="2400" dirty="0" smtClean="0"/>
+              <a:t>工作职责</a:t>
+            </a:r>
+            <a:endParaRPr lang="en-US" altLang="zh-CN" sz="2400" dirty="0" smtClean="0"/>
+          </a:p>
+          <a:p>
+            <a:pPr lvl="1"/>
+            <a:r>
+              <a:rPr lang="zh-CN" altLang="en-US" sz="2400" dirty="0"/>
+              <a:t>智能</a:t>
+            </a:r>
+            <a:r>
+              <a:rPr lang="zh-CN" altLang="en-US" sz="2400" dirty="0" smtClean="0"/>
+              <a:t>硬件应用层主力开发</a:t>
+            </a:r>
+            <a:endParaRPr lang="en-US" altLang="zh-CN" sz="2400" dirty="0" smtClean="0"/>
+          </a:p>
+          <a:p>
+            <a:pPr lvl="1"/>
+            <a:r>
+              <a:rPr lang="en-US" altLang="zh-CN" sz="2400" dirty="0" smtClean="0"/>
+              <a:t>ROM</a:t>
+            </a:r>
+            <a:r>
+              <a:rPr lang="zh-CN" altLang="en-US" sz="2400" dirty="0" smtClean="0"/>
+              <a:t>适配</a:t>
+            </a:r>
+            <a:r>
+              <a:rPr lang="en-US" altLang="zh-CN" sz="2400" dirty="0" smtClean="0"/>
+              <a:t>MTK</a:t>
+            </a:r>
+            <a:r>
+              <a:rPr lang="zh-CN" altLang="en-US" sz="2400" dirty="0" smtClean="0"/>
+              <a:t>平台负责人</a:t>
+            </a:r>
+            <a:endParaRPr lang="en-US" altLang="zh-CN" sz="2400" dirty="0" smtClean="0"/>
+          </a:p>
+          <a:p>
+            <a:pPr marL="0" indent="0">
+              <a:buNone/>
+            </a:pPr>
+            <a:endParaRPr lang="en-US" altLang="zh-CN" dirty="0" smtClean="0"/>
+          </a:p>
+          <a:p>
+            <a:pPr marL="0" indent="0">
+              <a:buNone/>
+            </a:pPr>
+            <a:r>
+              <a:rPr lang="zh-CN" altLang="en-US" sz="2400" dirty="0"/>
               <a:t>个人介绍</a:t>
             </a:r>
-            <a:endParaRPr lang="en-US" altLang="zh-CN" dirty="0" smtClean="0"/>
-          </a:p>
-          <a:p>
-            <a:r>
-              <a:rPr lang="zh-CN" altLang="en-US" dirty="0" smtClean="0"/>
-              <a:t>年度参与项目总结</a:t>
-            </a:r>
-            <a:endParaRPr lang="en-US" altLang="zh-CN" dirty="0"/>
-          </a:p>
-          <a:p>
-            <a:r>
-              <a:rPr lang="zh-CN" altLang="en-US" dirty="0"/>
-              <a:t>个人</a:t>
-            </a:r>
-            <a:r>
-              <a:rPr lang="zh-CN" altLang="en-US" dirty="0" smtClean="0"/>
-              <a:t>展望</a:t>
-            </a:r>
-            <a:endParaRPr lang="en-US" altLang="zh-CN" dirty="0" smtClean="0"/>
+            <a:endParaRPr lang="en-US" altLang="zh-CN" sz="2400" dirty="0"/>
+          </a:p>
+          <a:p>
+            <a:pPr lvl="1"/>
+            <a:r>
+              <a:rPr lang="en-US" altLang="zh-CN" sz="2400" dirty="0"/>
+              <a:t>GITHUB</a:t>
+            </a:r>
+            <a:r>
+              <a:rPr lang="zh-CN" altLang="en-US" sz="2400" dirty="0"/>
+              <a:t>开源项目开发者</a:t>
+            </a:r>
+            <a:r>
+              <a:rPr lang="en-US" altLang="zh-CN" sz="2400" dirty="0"/>
+              <a:t>, CSDN</a:t>
+            </a:r>
+            <a:r>
+              <a:rPr lang="zh-CN" altLang="en-US" sz="2400" dirty="0"/>
+              <a:t>认证博客专家</a:t>
+            </a:r>
+            <a:endParaRPr lang="en-US" altLang="zh-CN" sz="2400" dirty="0"/>
+          </a:p>
+          <a:p>
+            <a:pPr lvl="1"/>
+            <a:r>
+              <a:rPr lang="zh-CN" altLang="en-US" sz="2400" dirty="0"/>
+              <a:t>全栈工程师</a:t>
+            </a:r>
+            <a:r>
+              <a:rPr lang="en-US" altLang="zh-CN" sz="2400" dirty="0"/>
+              <a:t>(</a:t>
+            </a:r>
+            <a:r>
+              <a:rPr lang="en-US" altLang="zh-CN" sz="2400" dirty="0" err="1"/>
+              <a:t>YunOS</a:t>
+            </a:r>
+            <a:r>
+              <a:rPr lang="en-US" altLang="zh-CN" sz="2400" dirty="0" smtClean="0"/>
+              <a:t>, Android, LNMP</a:t>
+            </a:r>
+            <a:r>
+              <a:rPr lang="zh-CN" altLang="en-US" sz="2400" dirty="0"/>
+              <a:t>服务端开发</a:t>
+            </a:r>
+            <a:r>
+              <a:rPr lang="en-US" altLang="zh-CN" sz="2400" dirty="0" smtClean="0"/>
+              <a:t>)</a:t>
+            </a:r>
+            <a:endParaRPr lang="en-US" altLang="zh-CN" sz="2400" dirty="0"/>
           </a:p>
         </p:txBody>
       </p:sp>
     </p:spTree>
     <p:extLst>
       <p:ext uri="{BB962C8B-B14F-4D97-AF65-F5344CB8AC3E}">
-        <p14:creationId xmlns:p14="http://schemas.microsoft.com/office/powerpoint/2010/main" val="1642100066"/>
+        <p14:creationId xmlns:p14="http://schemas.microsoft.com/office/powerpoint/2010/main" val="3256034088"/>
       </p:ext>
     </p:extLst>
   </p:cSld>
@@ -4282,11 +5399,12 @@
           <a:bodyPr/>
           <a:lstStyle/>
           <a:p>
-            <a:r>
-              <a:rPr lang="zh-CN" altLang="en-US" dirty="0" smtClean="0"/>
-              <a:t>个人介绍</a:t>
-            </a:r>
-            <a:endParaRPr lang="zh-CN" altLang="en-US" dirty="0"/>
+            <a:pPr algn="l"/>
+            <a:r>
+              <a:rPr lang="zh-CN" altLang="en-US" b="1" dirty="0" smtClean="0"/>
+              <a:t>大纲</a:t>
+            </a:r>
+            <a:endParaRPr lang="zh-CN" altLang="en-US" b="1" dirty="0"/>
           </a:p>
         </p:txBody>
       </p:sp>
@@ -4302,110 +5420,80 @@
         </p:nvSpPr>
         <p:spPr/>
         <p:txBody>
-          <a:bodyPr>
-            <a:normAutofit fontScale="92500" lnSpcReduction="10000"/>
-          </a:bodyPr>
-          <a:lstStyle/>
-          <a:p>
-            <a:r>
-              <a:rPr lang="zh-CN" altLang="en-US" dirty="0" smtClean="0"/>
-              <a:t>工作：</a:t>
-            </a:r>
-            <a:endParaRPr lang="en-US" altLang="zh-CN" dirty="0" smtClean="0"/>
-          </a:p>
-          <a:p>
-            <a:pPr lvl="1"/>
-            <a:r>
-              <a:rPr lang="en-US" altLang="zh-CN" dirty="0" smtClean="0"/>
-              <a:t>2014.07-2015.05</a:t>
-            </a:r>
-            <a:r>
-              <a:rPr lang="zh-CN" altLang="en-US" dirty="0" smtClean="0"/>
-              <a:t>：负责用户闭环</a:t>
-            </a:r>
-            <a:r>
-              <a:rPr lang="en-US" altLang="zh-CN" dirty="0" smtClean="0"/>
+          <a:bodyPr/>
+          <a:lstStyle/>
+          <a:p>
+            <a:pPr marL="0" indent="0">
+              <a:buNone/>
+            </a:pPr>
+            <a:r>
+              <a:rPr lang="zh-CN" altLang="en-US" b="1" dirty="0" smtClean="0"/>
+              <a:t>全智能手表方向</a:t>
+            </a:r>
+            <a:endParaRPr lang="en-US" altLang="zh-CN" b="1" dirty="0" smtClean="0"/>
+          </a:p>
+          <a:p>
+            <a:pPr marL="0" indent="0">
+              <a:buNone/>
+            </a:pPr>
+            <a:endParaRPr lang="en-US" altLang="zh-CN" b="1" dirty="0"/>
+          </a:p>
+          <a:p>
+            <a:pPr marL="0" indent="0">
+              <a:buNone/>
+            </a:pPr>
+            <a:r>
+              <a:rPr lang="en-US" altLang="zh-CN" b="1" dirty="0" smtClean="0"/>
               <a:t>Rom</a:t>
             </a:r>
             <a:r>
-              <a:rPr lang="zh-CN" altLang="en-US" dirty="0" smtClean="0"/>
-              <a:t>适配。</a:t>
-            </a:r>
-            <a:endParaRPr lang="en-US" altLang="zh-CN" dirty="0" smtClean="0"/>
-          </a:p>
-          <a:p>
-            <a:pPr lvl="1"/>
-            <a:r>
-              <a:rPr lang="en-US" altLang="zh-CN" dirty="0" smtClean="0"/>
-              <a:t>2015.06-2015.09</a:t>
-            </a:r>
-            <a:r>
-              <a:rPr lang="zh-CN" altLang="en-US" dirty="0" smtClean="0"/>
-              <a:t>：负责荔枝项目系统升级模块和硬件适配。</a:t>
-            </a:r>
-            <a:endParaRPr lang="en-US" altLang="zh-CN" dirty="0" smtClean="0"/>
-          </a:p>
-          <a:p>
-            <a:pPr lvl="1"/>
-            <a:r>
-              <a:rPr lang="en-US" altLang="zh-CN" dirty="0" smtClean="0"/>
-              <a:t>2015.10-</a:t>
-            </a:r>
-            <a:r>
-              <a:rPr lang="zh-CN" altLang="en-US" smtClean="0"/>
-              <a:t>至今：负责支付手表操作系统研发。</a:t>
-            </a:r>
-            <a:endParaRPr lang="en-US" altLang="zh-CN" dirty="0" smtClean="0"/>
-          </a:p>
-          <a:p>
-            <a:r>
-              <a:rPr lang="zh-CN" altLang="en-US" dirty="0"/>
-              <a:t>日常</a:t>
-            </a:r>
-            <a:r>
-              <a:rPr lang="zh-CN" altLang="en-US" dirty="0" smtClean="0"/>
-              <a:t>：</a:t>
-            </a:r>
-            <a:endParaRPr lang="en-US" altLang="zh-CN" dirty="0" smtClean="0"/>
-          </a:p>
-          <a:p>
-            <a:pPr lvl="1"/>
-            <a:r>
-              <a:rPr lang="zh-CN" altLang="en-US" dirty="0" smtClean="0"/>
-              <a:t>关注目前操作系统前沿技术，</a:t>
-            </a:r>
-            <a:r>
-              <a:rPr lang="en-US" altLang="zh-CN" dirty="0" err="1" smtClean="0"/>
-              <a:t>Github</a:t>
-            </a:r>
-            <a:r>
-              <a:rPr lang="zh-CN" altLang="en-US" dirty="0" smtClean="0"/>
-              <a:t>上有自己的开源项目。</a:t>
-            </a:r>
-            <a:endParaRPr lang="en-US" altLang="zh-CN" dirty="0" smtClean="0"/>
-          </a:p>
-          <a:p>
-            <a:pPr lvl="1"/>
-            <a:r>
-              <a:rPr lang="zh-CN" altLang="en-US" dirty="0" smtClean="0"/>
-              <a:t>长年坚持记录总结日常知识要点，每月至少四篇原创技术博客，目前已经是</a:t>
-            </a:r>
-            <a:r>
-              <a:rPr lang="en-US" altLang="zh-CN" dirty="0" smtClean="0"/>
-              <a:t>CSDN</a:t>
-            </a:r>
-            <a:r>
-              <a:rPr lang="zh-CN" altLang="en-US" dirty="0" smtClean="0"/>
-              <a:t>认证专家。</a:t>
-            </a:r>
-            <a:endParaRPr lang="en-US" altLang="zh-CN" dirty="0" smtClean="0"/>
+              <a:rPr lang="zh-CN" altLang="en-US" b="1" dirty="0" smtClean="0"/>
+              <a:t>适配方向</a:t>
+            </a:r>
+            <a:endParaRPr lang="en-US" altLang="zh-CN" b="1" dirty="0" smtClean="0"/>
+          </a:p>
+          <a:p>
+            <a:pPr marL="0" indent="0">
+              <a:buNone/>
+            </a:pPr>
+            <a:endParaRPr lang="en-US" altLang="zh-CN" b="1" dirty="0" smtClean="0"/>
+          </a:p>
+          <a:p>
+            <a:pPr marL="0" indent="0">
+              <a:buNone/>
+            </a:pPr>
+            <a:r>
+              <a:rPr lang="zh-CN" altLang="en-US" b="1" dirty="0" smtClean="0"/>
+              <a:t>技术亮点</a:t>
+            </a:r>
+            <a:endParaRPr lang="en-US" altLang="zh-CN" b="1" dirty="0"/>
+          </a:p>
+          <a:p>
+            <a:pPr marL="0" indent="0">
+              <a:buNone/>
+            </a:pPr>
+            <a:endParaRPr lang="en-US" altLang="zh-CN" b="1" dirty="0" smtClean="0"/>
+          </a:p>
+          <a:p>
+            <a:pPr marL="0" indent="0">
+              <a:buNone/>
+            </a:pPr>
+            <a:r>
+              <a:rPr lang="zh-CN" altLang="en-US" b="1" dirty="0" smtClean="0"/>
+              <a:t>个人</a:t>
+            </a:r>
+            <a:r>
+              <a:rPr lang="zh-CN" altLang="en-US" b="1" dirty="0" smtClean="0"/>
+              <a:t>成长与展望</a:t>
+            </a:r>
+            <a:endParaRPr lang="en-US" altLang="zh-CN" b="1" dirty="0" smtClean="0"/>
           </a:p>
         </p:txBody>
       </p:sp>
     </p:spTree>
     <p:extLst>
       <p:ext uri="{BB962C8B-B14F-4D97-AF65-F5344CB8AC3E}">
-        <p14:creationId xmlns:p14="http://schemas.microsoft.com/office/powerpoint/2010/main" val="3999987906"/>
+        <p14:creationId xmlns:p14="http://schemas.microsoft.com/office/powerpoint/2010/main" val="1642100066"/>
       </p:ext>
     </p:extLst>
   </p:cSld>
@@ -4454,63 +5542,88 @@
           <a:bodyPr/>
           <a:lstStyle/>
           <a:p>
-            <a:pPr algn="l"/>
-            <a:r>
-              <a:rPr lang="zh-CN" altLang="en-US" dirty="0" smtClean="0"/>
-              <a:t>我参与的项目</a:t>
+            <a:r>
+              <a:rPr lang="zh-CN" altLang="en-US" dirty="0" smtClean="0"/>
+              <a:t>全智能手表方向</a:t>
+            </a:r>
+            <a:endParaRPr lang="zh-CN" altLang="en-US" dirty="0"/>
+          </a:p>
+        </p:txBody>
+      </p:sp>
+      <p:sp>
+        <p:nvSpPr>
+          <p:cNvPr id="3" name="内容占位符 2"/>
+          <p:cNvSpPr>
+            <a:spLocks noGrp="1"/>
+          </p:cNvSpPr>
+          <p:nvPr>
+            <p:ph idx="1"/>
+          </p:nvPr>
+        </p:nvSpPr>
+        <p:spPr/>
+        <p:txBody>
+          <a:bodyPr>
+            <a:normAutofit/>
+          </a:bodyPr>
+          <a:lstStyle/>
+          <a:p>
+            <a:pPr marL="0" indent="0">
+              <a:buNone/>
+            </a:pPr>
+            <a:r>
+              <a:rPr lang="zh-CN" altLang="en-US" b="1" dirty="0" smtClean="0"/>
+              <a:t>挑战</a:t>
+            </a:r>
+            <a:endParaRPr lang="en-US" altLang="zh-CN" b="1" dirty="0" smtClean="0"/>
+          </a:p>
+          <a:p>
+            <a:pPr lvl="1"/>
+            <a:r>
+              <a:rPr lang="zh-CN" altLang="en-US" dirty="0" smtClean="0"/>
+              <a:t>全新的硬件平台</a:t>
+            </a:r>
+            <a:endParaRPr lang="en-US" altLang="zh-CN" dirty="0" smtClean="0"/>
+          </a:p>
+          <a:p>
+            <a:pPr lvl="1"/>
+            <a:r>
+              <a:rPr lang="zh-CN" altLang="en-US" dirty="0"/>
+              <a:t>全新的</a:t>
+            </a:r>
+            <a:r>
+              <a:rPr lang="en-US" altLang="zh-CN" dirty="0"/>
+              <a:t>UI</a:t>
+            </a:r>
+            <a:r>
+              <a:rPr lang="zh-CN" altLang="en-US" dirty="0" smtClean="0"/>
+              <a:t>体系，大量自定义空间</a:t>
+            </a:r>
+            <a:endParaRPr lang="en-US" altLang="zh-CN" dirty="0" smtClean="0"/>
+          </a:p>
+          <a:p>
+            <a:pPr lvl="1"/>
+            <a:r>
+              <a:rPr lang="zh-CN" altLang="en-US" dirty="0" smtClean="0"/>
+              <a:t>通信业务复杂</a:t>
             </a:r>
             <a:r>
               <a:rPr lang="en-US" altLang="zh-CN" dirty="0" smtClean="0"/>
-              <a:t>(</a:t>
-            </a:r>
-            <a:r>
-              <a:rPr lang="zh-CN" altLang="en-US" dirty="0" smtClean="0"/>
-              <a:t>一</a:t>
+              <a:t>(HTTP,</a:t>
+            </a:r>
+            <a:r>
+              <a:rPr lang="zh-CN" altLang="en-US" dirty="0" smtClean="0"/>
+              <a:t>蓝牙等</a:t>
             </a:r>
             <a:r>
               <a:rPr lang="en-US" altLang="zh-CN" dirty="0" smtClean="0"/>
               <a:t>)</a:t>
             </a:r>
-            <a:endParaRPr lang="zh-CN" altLang="en-US" dirty="0"/>
-          </a:p>
-        </p:txBody>
-      </p:sp>
-      <p:sp>
-        <p:nvSpPr>
-          <p:cNvPr id="3" name="内容占位符 2"/>
-          <p:cNvSpPr>
-            <a:spLocks noGrp="1"/>
-          </p:cNvSpPr>
-          <p:nvPr>
-            <p:ph idx="1"/>
-          </p:nvPr>
-        </p:nvSpPr>
-        <p:spPr/>
-        <p:txBody>
-          <a:bodyPr>
-            <a:normAutofit fontScale="92500" lnSpcReduction="20000"/>
-          </a:bodyPr>
-          <a:lstStyle/>
-          <a:p>
-            <a:r>
-              <a:rPr lang="zh-CN" altLang="en-US" dirty="0" smtClean="0"/>
-              <a:t>智能硬件</a:t>
-            </a:r>
-            <a:r>
-              <a:rPr lang="en-US" altLang="zh-CN" dirty="0" smtClean="0"/>
-              <a:t>-</a:t>
-            </a:r>
-            <a:r>
-              <a:rPr lang="zh-CN" altLang="en-US" dirty="0" smtClean="0"/>
-              <a:t>支付手表项目 </a:t>
-            </a:r>
-            <a:r>
-              <a:rPr lang="en-US" altLang="zh-CN" dirty="0" smtClean="0"/>
-              <a:t>2015/07 - </a:t>
-            </a:r>
-            <a:r>
-              <a:rPr lang="zh-CN" altLang="en-US" dirty="0" smtClean="0"/>
-              <a:t>至今</a:t>
+          </a:p>
+          <a:p>
+            <a:pPr lvl="1"/>
+            <a:r>
+              <a:rPr lang="zh-CN" altLang="en-US" dirty="0" smtClean="0"/>
+              <a:t>开发周期紧，需要变更多</a:t>
             </a:r>
             <a:endParaRPr lang="en-US" altLang="zh-CN" dirty="0" smtClean="0"/>
           </a:p>
@@ -4518,117 +5631,32 @@
             <a:pPr lvl="1"/>
             <a:r>
               <a:rPr lang="zh-CN" altLang="en-US" dirty="0" smtClean="0"/>
-              <a:t>项目背景：基于</a:t>
-            </a:r>
-            <a:r>
-              <a:rPr lang="en-US" altLang="zh-CN" dirty="0" smtClean="0"/>
-              <a:t>mt2601</a:t>
-            </a:r>
-            <a:r>
-              <a:rPr lang="zh-CN" altLang="en-US" dirty="0" smtClean="0"/>
-              <a:t>平台，开发一套</a:t>
-            </a:r>
-            <a:r>
-              <a:rPr lang="en-US" altLang="zh-CN" dirty="0" err="1" smtClean="0"/>
-              <a:t>YunOS</a:t>
-            </a:r>
-            <a:r>
-              <a:rPr lang="zh-CN" altLang="en-US" dirty="0" smtClean="0"/>
-              <a:t>手表端操作系统。</a:t>
+              <a:t>开发人员紧缺，部分成员开发经验欠缺</a:t>
             </a:r>
             <a:endParaRPr lang="en-US" altLang="zh-CN" dirty="0" smtClean="0"/>
           </a:p>
           <a:p>
+            <a:pPr marL="0" indent="0">
+              <a:buNone/>
+            </a:pPr>
+            <a:endParaRPr lang="en-US" altLang="zh-CN" dirty="0" smtClean="0"/>
+          </a:p>
+          <a:p>
+            <a:pPr marL="0" indent="0">
+              <a:buNone/>
+            </a:pPr>
+            <a:r>
+              <a:rPr lang="zh-CN" altLang="en-US" b="1" dirty="0" smtClean="0"/>
+              <a:t>职责</a:t>
+            </a:r>
+            <a:endParaRPr lang="en-US" altLang="zh-CN" b="1" dirty="0" smtClean="0"/>
+          </a:p>
+          <a:p>
             <a:pPr lvl="1"/>
             <a:r>
               <a:rPr lang="zh-CN" altLang="en-US" dirty="0" smtClean="0"/>
-              <a:t>工作成果：</a:t>
-            </a:r>
-            <a:endParaRPr lang="en-US" altLang="zh-CN" dirty="0" smtClean="0"/>
-          </a:p>
-          <a:p>
-            <a:pPr lvl="2"/>
-            <a:r>
-              <a:rPr lang="zh-CN" altLang="en-US" dirty="0" smtClean="0"/>
-              <a:t>网络框架：设计并实现网络框架</a:t>
-            </a:r>
-            <a:r>
-              <a:rPr lang="en-US" altLang="zh-CN" dirty="0" smtClean="0"/>
-              <a:t>,</a:t>
-            </a:r>
-            <a:r>
-              <a:rPr lang="zh-CN" altLang="en-US" dirty="0" smtClean="0"/>
-              <a:t>实现网络并发控制</a:t>
-            </a:r>
-            <a:r>
-              <a:rPr lang="en-US" altLang="zh-CN" dirty="0" smtClean="0"/>
-              <a:t>,</a:t>
-            </a:r>
-            <a:r>
-              <a:rPr lang="zh-CN" altLang="en-US" dirty="0" smtClean="0"/>
-              <a:t>请求结果回调以及网络请求硬盘缓存功能</a:t>
-            </a:r>
-            <a:r>
-              <a:rPr lang="en-US" altLang="zh-CN" dirty="0" smtClean="0"/>
-              <a:t>,</a:t>
-            </a:r>
-            <a:r>
-              <a:rPr lang="zh-CN" altLang="en-US" dirty="0" smtClean="0"/>
-              <a:t>并根据业务需求自定制网络请求</a:t>
-            </a:r>
-            <a:r>
-              <a:rPr lang="en-US" altLang="zh-CN" dirty="0" smtClean="0"/>
-              <a:t>,</a:t>
-            </a:r>
-            <a:r>
-              <a:rPr lang="zh-CN" altLang="en-US" dirty="0" smtClean="0"/>
-              <a:t>支持网络</a:t>
-            </a:r>
-            <a:r>
-              <a:rPr lang="en-US" altLang="zh-CN" dirty="0" smtClean="0"/>
-              <a:t>&gt;    </a:t>
-            </a:r>
-            <a:r>
-              <a:rPr lang="zh-CN" altLang="en-US" dirty="0" smtClean="0"/>
-              <a:t>字节流解析成业务需要的数据对象。</a:t>
-            </a:r>
-            <a:endParaRPr lang="en-US" altLang="zh-CN" dirty="0" smtClean="0"/>
-          </a:p>
-          <a:p>
-            <a:pPr lvl="2"/>
-            <a:r>
-              <a:rPr lang="zh-CN" altLang="en-US" dirty="0" smtClean="0"/>
-              <a:t>应用层主力开发：独立开发并实现了天气、秒表、闹钟、计时器、密码锁和设置等应用。</a:t>
-            </a:r>
-            <a:endParaRPr lang="en-US" altLang="zh-CN" dirty="0" smtClean="0"/>
-          </a:p>
-          <a:p>
-            <a:r>
-              <a:rPr lang="zh-CN" altLang="en-US" dirty="0" smtClean="0"/>
-              <a:t>成果：目前</a:t>
-            </a:r>
-            <a:r>
-              <a:rPr lang="en-US" altLang="zh-CN" dirty="0" smtClean="0"/>
-              <a:t>mt2601</a:t>
-            </a:r>
-            <a:r>
-              <a:rPr lang="zh-CN" altLang="en-US" dirty="0" smtClean="0"/>
-              <a:t>手表代码已经</a:t>
-            </a:r>
-            <a:r>
-              <a:rPr lang="en-US" altLang="zh-CN" dirty="0" smtClean="0"/>
-              <a:t>CC</a:t>
-            </a:r>
-            <a:r>
-              <a:rPr lang="zh-CN" altLang="en-US" dirty="0" smtClean="0"/>
-              <a:t>，负责模块均已完成，且验收成果较好</a:t>
-            </a:r>
-            <a:r>
-              <a:rPr lang="en-US" altLang="zh-CN" dirty="0" smtClean="0"/>
-              <a:t>.</a:t>
-            </a:r>
-          </a:p>
-          <a:p>
+              <a:t>应用层主力开发</a:t>
+            </a:r>
             <a:endParaRPr lang="zh-CN" altLang="en-US" dirty="0"/>
           </a:p>
         </p:txBody>
@@ -4636,7 +5664,7 @@
     </p:spTree>
     <p:extLst>
       <p:ext uri="{BB962C8B-B14F-4D97-AF65-F5344CB8AC3E}">
-        <p14:creationId xmlns:p14="http://schemas.microsoft.com/office/powerpoint/2010/main" val="2152419238"/>
+        <p14:creationId xmlns:p14="http://schemas.microsoft.com/office/powerpoint/2010/main" val="3823466933"/>
       </p:ext>
     </p:extLst>
   </p:cSld>
@@ -4686,20 +5714,12 @@
           <a:lstStyle/>
           <a:p>
             <a:r>
-              <a:rPr lang="zh-CN" altLang="en-US" dirty="0" smtClean="0"/>
-              <a:t>我参与的项目</a:t>
-            </a:r>
-            <a:r>
-              <a:rPr lang="en-US" altLang="zh-CN" dirty="0" smtClean="0"/>
-              <a:t>(</a:t>
-            </a:r>
-            <a:r>
-              <a:rPr lang="zh-CN" altLang="en-US" dirty="0" smtClean="0"/>
-              <a:t>二</a:t>
-            </a:r>
-            <a:r>
-              <a:rPr lang="en-US" altLang="zh-CN" dirty="0" smtClean="0"/>
-              <a:t>)</a:t>
+              <a:rPr lang="zh-CN" altLang="en-US" dirty="0"/>
+              <a:t>全</a:t>
+            </a:r>
+            <a:r>
+              <a:rPr lang="zh-CN" altLang="en-US" dirty="0" smtClean="0"/>
+              <a:t>智能手表方向</a:t>
             </a:r>
             <a:endParaRPr lang="zh-CN" altLang="en-US" dirty="0"/>
           </a:p>
@@ -4718,21 +5738,60 @@
         <p:spPr/>
         <p:txBody>
           <a:bodyPr>
-            <a:normAutofit fontScale="77500" lnSpcReduction="20000"/>
+            <a:normAutofit/>
           </a:bodyPr>
           <a:lstStyle/>
           <a:p>
-            <a:r>
-              <a:rPr lang="zh-CN" altLang="en-US" dirty="0" smtClean="0"/>
-              <a:t>用户闭环</a:t>
-            </a:r>
-            <a:r>
-              <a:rPr lang="en-US" altLang="zh-CN" dirty="0" smtClean="0"/>
-              <a:t>Rom</a:t>
-            </a:r>
-            <a:r>
-              <a:rPr lang="zh-CN" altLang="en-US" dirty="0" smtClean="0"/>
-              <a:t>适配</a:t>
+            <a:pPr marL="0" indent="0">
+              <a:buNone/>
+            </a:pPr>
+            <a:r>
+              <a:rPr lang="zh-CN" altLang="en-US" b="1" dirty="0" smtClean="0"/>
+              <a:t>思路</a:t>
+            </a:r>
+            <a:endParaRPr lang="en-US" altLang="zh-CN" b="1" dirty="0" smtClean="0"/>
+          </a:p>
+          <a:p>
+            <a:pPr lvl="1"/>
+            <a:r>
+              <a:rPr lang="zh-CN" altLang="en-US" dirty="0"/>
+              <a:t>组件化思想，抽象出自定义控件，便于其他开发集成</a:t>
+            </a:r>
+            <a:endParaRPr lang="en-US" altLang="zh-CN" dirty="0"/>
+          </a:p>
+          <a:p>
+            <a:pPr lvl="1"/>
+            <a:r>
+              <a:rPr lang="zh-CN" altLang="en-US" dirty="0"/>
+              <a:t>统一网络架构层，对</a:t>
+            </a:r>
+            <a:r>
+              <a:rPr lang="en-US" altLang="zh-CN" dirty="0"/>
+              <a:t>HTTP</a:t>
+            </a:r>
+            <a:r>
+              <a:rPr lang="zh-CN" altLang="en-US" dirty="0"/>
+              <a:t>请求高度抽象，便于通信切换</a:t>
+            </a:r>
+            <a:endParaRPr lang="en-US" altLang="zh-CN" dirty="0"/>
+          </a:p>
+          <a:p>
+            <a:pPr lvl="1"/>
+            <a:r>
+              <a:rPr lang="zh-CN" altLang="en-US" dirty="0"/>
+              <a:t>主动承担难度较高的应用开发，减少同伴压力</a:t>
+            </a:r>
+            <a:endParaRPr lang="en-US" altLang="zh-CN" dirty="0"/>
+          </a:p>
+          <a:p>
+            <a:pPr lvl="1"/>
+            <a:r>
+              <a:rPr lang="zh-CN" altLang="en-US" dirty="0"/>
+              <a:t>培养新人，尽快融入开发</a:t>
+            </a:r>
+            <a:r>
+              <a:rPr lang="zh-CN" altLang="en-US" dirty="0" smtClean="0"/>
+              <a:t>体系</a:t>
             </a:r>
             <a:endParaRPr lang="en-US" altLang="zh-CN" dirty="0" smtClean="0"/>
           </a:p>
@@ -4740,349 +5799,20 @@
             <a:pPr lvl="1"/>
             <a:r>
               <a:rPr lang="zh-CN" altLang="en-US" dirty="0" smtClean="0"/>
-              <a:t>项目描述：负责</a:t>
-            </a:r>
-            <a:r>
-              <a:rPr lang="en-US" altLang="zh-CN" dirty="0" smtClean="0"/>
-              <a:t>MTK</a:t>
-            </a:r>
-            <a:r>
-              <a:rPr lang="zh-CN" altLang="en-US" dirty="0" smtClean="0"/>
-              <a:t>机型的</a:t>
-            </a:r>
-            <a:r>
-              <a:rPr lang="en-US" altLang="zh-CN" dirty="0" err="1" smtClean="0"/>
-              <a:t>YunOS</a:t>
-            </a:r>
-            <a:r>
-              <a:rPr lang="en-US" altLang="zh-CN" dirty="0" smtClean="0"/>
-              <a:t> Rom</a:t>
-            </a:r>
-            <a:r>
-              <a:rPr lang="zh-CN" altLang="en-US" dirty="0" smtClean="0"/>
-              <a:t>适配</a:t>
-            </a:r>
-            <a:r>
-              <a:rPr lang="en-US" altLang="zh-CN" dirty="0" smtClean="0"/>
-              <a:t>.</a:t>
-            </a:r>
-            <a:r>
-              <a:rPr lang="zh-CN" altLang="en-US" dirty="0" smtClean="0"/>
-              <a:t>主要是通过编译和拼包的方式将</a:t>
-            </a:r>
-            <a:r>
-              <a:rPr lang="en-US" altLang="zh-CN" dirty="0" err="1" smtClean="0"/>
-              <a:t>YunOS</a:t>
-            </a:r>
-            <a:r>
-              <a:rPr lang="zh-CN" altLang="en-US" dirty="0" smtClean="0"/>
-              <a:t>的</a:t>
-            </a:r>
-            <a:r>
-              <a:rPr lang="en-US" altLang="zh-CN" dirty="0" smtClean="0"/>
-              <a:t>Rom</a:t>
-            </a:r>
-            <a:r>
-              <a:rPr lang="zh-CN" altLang="en-US" dirty="0" smtClean="0"/>
-              <a:t>和</a:t>
-            </a:r>
-            <a:r>
-              <a:rPr lang="en-US" altLang="zh-CN" dirty="0" smtClean="0"/>
-              <a:t>MTK</a:t>
-            </a:r>
-            <a:r>
-              <a:rPr lang="zh-CN" altLang="en-US" dirty="0" smtClean="0"/>
-              <a:t>具体机型的</a:t>
-            </a:r>
-            <a:r>
-              <a:rPr lang="en-US" altLang="zh-CN" dirty="0" smtClean="0"/>
-              <a:t>Rom</a:t>
-            </a:r>
-            <a:r>
-              <a:rPr lang="zh-CN" altLang="en-US" dirty="0" smtClean="0"/>
-              <a:t>进行拼装移植。</a:t>
+              <a:t>专项技术突破</a:t>
             </a:r>
             <a:endParaRPr lang="en-US" altLang="zh-CN" dirty="0" smtClean="0"/>
           </a:p>
           <a:p>
             <a:pPr lvl="1"/>
-            <a:r>
-              <a:rPr lang="zh-CN" altLang="en-US" dirty="0" smtClean="0"/>
-              <a:t>主要工作：</a:t>
-            </a:r>
-            <a:endParaRPr lang="en-US" altLang="zh-CN" dirty="0" smtClean="0"/>
-          </a:p>
-          <a:p>
-            <a:pPr lvl="2"/>
-            <a:r>
-              <a:rPr lang="zh-CN" altLang="en-US" dirty="0" smtClean="0"/>
-              <a:t>编写</a:t>
-            </a:r>
-            <a:r>
-              <a:rPr lang="en-US" altLang="zh-CN" dirty="0" smtClean="0"/>
-              <a:t>Android.mk</a:t>
-            </a:r>
-            <a:r>
-              <a:rPr lang="zh-CN" altLang="en-US" dirty="0" smtClean="0"/>
-              <a:t>单独修改和编译模块</a:t>
-            </a:r>
-            <a:r>
-              <a:rPr lang="en-US" altLang="zh-CN" dirty="0" smtClean="0"/>
-              <a:t>,</a:t>
-            </a:r>
-            <a:r>
-              <a:rPr lang="zh-CN" altLang="en-US" dirty="0" smtClean="0"/>
-              <a:t>掌握</a:t>
-            </a:r>
-            <a:r>
-              <a:rPr lang="en-US" altLang="zh-CN" dirty="0" smtClean="0"/>
-              <a:t>Android Rom</a:t>
-            </a:r>
-            <a:r>
-              <a:rPr lang="zh-CN" altLang="en-US" dirty="0" smtClean="0"/>
-              <a:t>编译体系</a:t>
-            </a:r>
-            <a:r>
-              <a:rPr lang="en-US" altLang="zh-CN" dirty="0" smtClean="0"/>
-              <a:t>,</a:t>
-            </a:r>
-            <a:r>
-              <a:rPr lang="zh-CN" altLang="en-US" dirty="0" smtClean="0"/>
-              <a:t>并对</a:t>
-            </a:r>
-            <a:r>
-              <a:rPr lang="en-US" altLang="zh-CN" dirty="0" err="1" smtClean="0"/>
-              <a:t>boot.img</a:t>
-            </a:r>
-            <a:r>
-              <a:rPr lang="zh-CN" altLang="en-US" dirty="0" smtClean="0"/>
-              <a:t>和</a:t>
-            </a:r>
-            <a:r>
-              <a:rPr lang="en-US" altLang="zh-CN" dirty="0" err="1" smtClean="0"/>
-              <a:t>system.img</a:t>
-            </a:r>
-            <a:r>
-              <a:rPr lang="zh-CN" altLang="en-US" dirty="0" smtClean="0"/>
-              <a:t>进行解包和重新打包。</a:t>
-            </a:r>
-            <a:endParaRPr lang="en-US" altLang="zh-CN" dirty="0" smtClean="0"/>
-          </a:p>
-          <a:p>
-            <a:pPr lvl="2"/>
-            <a:r>
-              <a:rPr lang="zh-CN" altLang="en-US" dirty="0" smtClean="0"/>
-              <a:t>从</a:t>
-            </a:r>
-            <a:r>
-              <a:rPr lang="en-US" altLang="zh-CN" dirty="0" err="1" smtClean="0"/>
-              <a:t>abd</a:t>
-            </a:r>
-            <a:r>
-              <a:rPr lang="en-US" altLang="zh-CN" dirty="0" smtClean="0"/>
-              <a:t> log</a:t>
-            </a:r>
-            <a:r>
-              <a:rPr lang="zh-CN" altLang="en-US" dirty="0" smtClean="0"/>
-              <a:t>分析分析系统起机遇到的问题</a:t>
-            </a:r>
-            <a:r>
-              <a:rPr lang="en-US" altLang="zh-CN" dirty="0" smtClean="0"/>
-              <a:t>,</a:t>
-            </a:r>
-            <a:r>
-              <a:rPr lang="zh-CN" altLang="en-US" dirty="0" smtClean="0"/>
-              <a:t>并能通过修改</a:t>
-            </a:r>
-            <a:r>
-              <a:rPr lang="en-US" altLang="zh-CN" dirty="0" err="1" smtClean="0"/>
-              <a:t>init</a:t>
-            </a:r>
-            <a:r>
-              <a:rPr lang="zh-CN" altLang="en-US" dirty="0" smtClean="0"/>
-              <a:t>模块</a:t>
-            </a:r>
-            <a:r>
-              <a:rPr lang="en-US" altLang="zh-CN" dirty="0" smtClean="0"/>
-              <a:t>,</a:t>
-            </a:r>
-            <a:r>
-              <a:rPr lang="zh-CN" altLang="en-US" dirty="0" smtClean="0"/>
-              <a:t>分析</a:t>
-            </a:r>
-            <a:r>
-              <a:rPr lang="en-US" altLang="zh-CN" dirty="0" smtClean="0"/>
-              <a:t>zygote</a:t>
-            </a:r>
-            <a:r>
-              <a:rPr lang="zh-CN" altLang="en-US" dirty="0" smtClean="0"/>
-              <a:t>和</a:t>
-            </a:r>
-            <a:r>
-              <a:rPr lang="en-US" altLang="zh-CN" dirty="0" smtClean="0"/>
-              <a:t>system server</a:t>
-            </a:r>
-            <a:r>
-              <a:rPr lang="zh-CN" altLang="en-US" dirty="0" smtClean="0"/>
-              <a:t>源码来解决相应的问题</a:t>
-            </a:r>
-            <a:endParaRPr lang="en-US" altLang="zh-CN" dirty="0" smtClean="0"/>
-          </a:p>
-          <a:p>
-            <a:pPr lvl="2"/>
-            <a:r>
-              <a:rPr lang="zh-CN" altLang="en-US" dirty="0" smtClean="0"/>
-              <a:t>编写</a:t>
-            </a:r>
-            <a:r>
-              <a:rPr lang="en-US" altLang="zh-CN" dirty="0" smtClean="0"/>
-              <a:t>Edify</a:t>
-            </a:r>
-            <a:r>
-              <a:rPr lang="zh-CN" altLang="en-US" dirty="0" smtClean="0"/>
-              <a:t>刷机脚本</a:t>
-            </a:r>
-            <a:r>
-              <a:rPr lang="en-US" altLang="zh-CN" dirty="0" smtClean="0"/>
-              <a:t>,</a:t>
-            </a:r>
-            <a:r>
-              <a:rPr lang="zh-CN" altLang="en-US" dirty="0" smtClean="0"/>
-              <a:t>通过</a:t>
-            </a:r>
-            <a:r>
-              <a:rPr lang="en-US" altLang="zh-CN" dirty="0" err="1" smtClean="0"/>
-              <a:t>Fastboot</a:t>
-            </a:r>
-            <a:r>
-              <a:rPr lang="zh-CN" altLang="en-US" dirty="0" smtClean="0"/>
-              <a:t>和</a:t>
-            </a:r>
-            <a:r>
-              <a:rPr lang="en-US" altLang="zh-CN" dirty="0" smtClean="0"/>
-              <a:t>Recovery</a:t>
-            </a:r>
-            <a:r>
-              <a:rPr lang="zh-CN" altLang="en-US" dirty="0" smtClean="0"/>
-              <a:t>对机型进行移植测试</a:t>
-            </a:r>
-            <a:r>
-              <a:rPr lang="en-US" altLang="zh-CN" dirty="0" smtClean="0"/>
-              <a:t>.</a:t>
-            </a:r>
-            <a:r>
-              <a:rPr lang="zh-CN" altLang="en-US" dirty="0" smtClean="0"/>
-              <a:t>并编译</a:t>
-            </a:r>
-            <a:r>
-              <a:rPr lang="en-US" altLang="zh-CN" dirty="0" smtClean="0"/>
-              <a:t>shell</a:t>
-            </a:r>
-            <a:r>
-              <a:rPr lang="zh-CN" altLang="en-US" dirty="0" smtClean="0"/>
-              <a:t>脚本</a:t>
-            </a:r>
-            <a:r>
-              <a:rPr lang="en-US" altLang="zh-CN" dirty="0" smtClean="0"/>
-              <a:t>,</a:t>
-            </a:r>
-            <a:r>
-              <a:rPr lang="zh-CN" altLang="en-US" dirty="0" smtClean="0"/>
-              <a:t>将重复过程脚本化</a:t>
-            </a:r>
-            <a:endParaRPr lang="en-US" altLang="zh-CN" dirty="0" smtClean="0"/>
-          </a:p>
-          <a:p>
-            <a:pPr lvl="2"/>
-            <a:r>
-              <a:rPr lang="zh-CN" altLang="en-US" dirty="0" smtClean="0"/>
-              <a:t>熟悉</a:t>
-            </a:r>
-            <a:r>
-              <a:rPr lang="en-US" altLang="zh-CN" dirty="0" smtClean="0"/>
-              <a:t>Android Framework</a:t>
-            </a:r>
-            <a:r>
-              <a:rPr lang="zh-CN" altLang="en-US" dirty="0" smtClean="0"/>
-              <a:t>层</a:t>
-            </a:r>
-            <a:r>
-              <a:rPr lang="en-US" altLang="zh-CN" dirty="0" smtClean="0"/>
-              <a:t>jar</a:t>
-            </a:r>
-            <a:r>
-              <a:rPr lang="zh-CN" altLang="en-US" dirty="0" smtClean="0"/>
-              <a:t>包的作用和</a:t>
-            </a:r>
-            <a:r>
-              <a:rPr lang="en-US" altLang="zh-CN" dirty="0" smtClean="0"/>
-              <a:t>JNI</a:t>
-            </a:r>
-            <a:r>
-              <a:rPr lang="zh-CN" altLang="en-US" dirty="0" smtClean="0"/>
-              <a:t>层大部分动态库的作用</a:t>
-            </a:r>
-            <a:r>
-              <a:rPr lang="en-US" altLang="zh-CN" dirty="0" smtClean="0"/>
-              <a:t>,</a:t>
-            </a:r>
-            <a:r>
-              <a:rPr lang="zh-CN" altLang="en-US" dirty="0" smtClean="0"/>
-              <a:t>便于遇到问题时替换相应的</a:t>
-            </a:r>
-            <a:r>
-              <a:rPr lang="en-US" altLang="zh-CN" dirty="0" smtClean="0"/>
-              <a:t>so</a:t>
-            </a:r>
-            <a:r>
-              <a:rPr lang="zh-CN" altLang="en-US" dirty="0" smtClean="0"/>
-              <a:t>库</a:t>
-            </a:r>
-            <a:r>
-              <a:rPr lang="en-US" altLang="zh-CN" dirty="0" smtClean="0"/>
-              <a:t>.</a:t>
-            </a:r>
-          </a:p>
-          <a:p>
-            <a:r>
-              <a:rPr lang="zh-CN" altLang="en-US" dirty="0" smtClean="0"/>
-              <a:t>成果：该项目适配超过</a:t>
-            </a:r>
-            <a:r>
-              <a:rPr lang="en-US" altLang="zh-CN" dirty="0" smtClean="0"/>
-              <a:t>20</a:t>
-            </a:r>
-            <a:r>
-              <a:rPr lang="zh-CN" altLang="en-US" dirty="0" smtClean="0"/>
-              <a:t>款机型</a:t>
-            </a:r>
-            <a:r>
-              <a:rPr lang="en-US" altLang="zh-CN" dirty="0" smtClean="0"/>
-              <a:t>,</a:t>
-            </a:r>
-            <a:r>
-              <a:rPr lang="zh-CN" altLang="en-US" dirty="0" smtClean="0"/>
-              <a:t>并为</a:t>
-            </a:r>
-            <a:r>
-              <a:rPr lang="en-US" altLang="zh-CN" dirty="0" err="1" smtClean="0"/>
-              <a:t>YunOS</a:t>
-            </a:r>
-            <a:r>
-              <a:rPr lang="zh-CN" altLang="en-US" dirty="0" smtClean="0"/>
-              <a:t>增加了百万激活量</a:t>
-            </a:r>
-            <a:r>
-              <a:rPr lang="en-US" altLang="zh-CN" dirty="0" smtClean="0"/>
-              <a:t>.</a:t>
-            </a:r>
+            <a:endParaRPr lang="en-US" altLang="zh-CN" b="1" dirty="0" smtClean="0"/>
           </a:p>
         </p:txBody>
       </p:sp>
     </p:spTree>
     <p:extLst>
       <p:ext uri="{BB962C8B-B14F-4D97-AF65-F5344CB8AC3E}">
-        <p14:creationId xmlns:p14="http://schemas.microsoft.com/office/powerpoint/2010/main" val="1076294825"/>
+        <p14:creationId xmlns:p14="http://schemas.microsoft.com/office/powerpoint/2010/main" val="527587298"/>
       </p:ext>
     </p:extLst>
   </p:cSld>
@@ -5118,7 +5848,7 @@
       </p:grpSpPr>
       <p:sp>
         <p:nvSpPr>
-          <p:cNvPr id="2" name="标题 1"/>
+          <p:cNvPr id="4" name="标题 3"/>
           <p:cNvSpPr>
             <a:spLocks noGrp="1"/>
           </p:cNvSpPr>
@@ -5133,135 +5863,46 @@
           <a:p>
             <a:r>
               <a:rPr lang="zh-CN" altLang="en-US" dirty="0" smtClean="0"/>
-              <a:t>我参与的项目</a:t>
-            </a:r>
-            <a:r>
-              <a:rPr lang="en-US" altLang="zh-CN" dirty="0" smtClean="0"/>
-              <a:t>(</a:t>
-            </a:r>
-            <a:r>
-              <a:rPr lang="zh-CN" altLang="en-US" dirty="0" smtClean="0"/>
-              <a:t>三</a:t>
-            </a:r>
-            <a:r>
-              <a:rPr lang="en-US" altLang="zh-CN" dirty="0" smtClean="0"/>
-              <a:t>)</a:t>
+              <a:t>统一网络框架</a:t>
             </a:r>
             <a:endParaRPr lang="zh-CN" altLang="en-US" dirty="0"/>
           </a:p>
         </p:txBody>
       </p:sp>
-      <p:sp>
-        <p:nvSpPr>
-          <p:cNvPr id="3" name="内容占位符 2"/>
-          <p:cNvSpPr>
-            <a:spLocks noGrp="1"/>
-          </p:cNvSpPr>
-          <p:nvPr>
-            <p:ph idx="1"/>
-          </p:nvPr>
-        </p:nvSpPr>
-        <p:spPr/>
-        <p:txBody>
-          <a:bodyPr>
-            <a:normAutofit fontScale="92500" lnSpcReduction="10000"/>
-          </a:bodyPr>
-          <a:lstStyle/>
-          <a:p>
-            <a:r>
-              <a:rPr lang="zh-CN" altLang="en-US" dirty="0" smtClean="0"/>
-              <a:t>荔枝项目系统升级方案</a:t>
-            </a:r>
-            <a:endParaRPr lang="en-US" altLang="zh-CN" dirty="0" smtClean="0"/>
-          </a:p>
-          <a:p>
-            <a:pPr lvl="1"/>
-            <a:r>
-              <a:rPr lang="zh-CN" altLang="en-US" dirty="0" smtClean="0"/>
-              <a:t>项目背景：提出并实现了荔枝项目升级采用的</a:t>
-            </a:r>
-            <a:r>
-              <a:rPr lang="en-US" altLang="zh-CN" dirty="0" smtClean="0"/>
-              <a:t>Recovery</a:t>
-            </a:r>
-            <a:r>
-              <a:rPr lang="zh-CN" altLang="en-US" dirty="0" smtClean="0"/>
-              <a:t>方案，替代了之前不稳定的热升级机制。</a:t>
-            </a:r>
-            <a:endParaRPr lang="en-US" altLang="zh-CN" dirty="0" smtClean="0"/>
-          </a:p>
-          <a:p>
-            <a:pPr lvl="1"/>
-            <a:r>
-              <a:rPr lang="zh-CN" altLang="en-US" dirty="0" smtClean="0"/>
-              <a:t>工作成果：</a:t>
-            </a:r>
-            <a:endParaRPr lang="en-US" altLang="zh-CN" dirty="0" smtClean="0"/>
-          </a:p>
-          <a:p>
-            <a:pPr lvl="2"/>
-            <a:r>
-              <a:rPr lang="zh-CN" altLang="en-US" dirty="0" smtClean="0"/>
-              <a:t>解决了荔枝系统升级方案在实现过程中遇到的编译、签名校验、全量包和差分包生成、</a:t>
-            </a:r>
-            <a:r>
-              <a:rPr lang="en-US" altLang="zh-CN" dirty="0" smtClean="0"/>
-              <a:t>Recovery</a:t>
-            </a:r>
-            <a:r>
-              <a:rPr lang="zh-CN" altLang="en-US" dirty="0" smtClean="0"/>
-              <a:t>适配等重要问题。</a:t>
-            </a:r>
-            <a:endParaRPr lang="en-US" altLang="zh-CN" dirty="0" smtClean="0"/>
-          </a:p>
-          <a:p>
-            <a:pPr lvl="2"/>
-            <a:r>
-              <a:rPr lang="zh-CN" altLang="en-US" dirty="0" smtClean="0"/>
-              <a:t>协助</a:t>
-            </a:r>
-            <a:r>
-              <a:rPr lang="en-US" altLang="zh-CN" dirty="0" smtClean="0"/>
-              <a:t>SCM</a:t>
-            </a:r>
-            <a:r>
-              <a:rPr lang="zh-CN" altLang="en-US" dirty="0" smtClean="0"/>
-              <a:t>，推动系统升级自动化流程。</a:t>
-            </a:r>
-            <a:endParaRPr lang="en-US" altLang="zh-CN" dirty="0" smtClean="0"/>
-          </a:p>
-          <a:p>
-            <a:pPr lvl="2"/>
-            <a:r>
-              <a:rPr lang="zh-CN" altLang="en-US" dirty="0" smtClean="0"/>
-              <a:t> 在多个</a:t>
-            </a:r>
-            <a:r>
-              <a:rPr lang="en-US" altLang="zh-CN" dirty="0" smtClean="0"/>
-              <a:t>m200</a:t>
-            </a:r>
-            <a:r>
-              <a:rPr lang="zh-CN" altLang="en-US" dirty="0" smtClean="0"/>
-              <a:t>平台硬件上适配荔枝系统，便于荔枝项目推广。</a:t>
-            </a:r>
-            <a:endParaRPr lang="en-US" altLang="zh-CN" dirty="0"/>
-          </a:p>
-          <a:p>
-            <a:r>
-              <a:rPr lang="zh-CN" altLang="en-US" dirty="0" smtClean="0"/>
-              <a:t>成果：支撑了荔枝系统多次成功升级。</a:t>
-            </a:r>
-            <a:endParaRPr lang="en-US" altLang="zh-CN" dirty="0" smtClean="0"/>
-          </a:p>
-          <a:p>
-            <a:endParaRPr lang="zh-CN" altLang="en-US" dirty="0"/>
-          </a:p>
-        </p:txBody>
-      </p:sp>
+      <p:pic>
+        <p:nvPicPr>
+          <p:cNvPr id="6" name="图片 5"/>
+          <p:cNvPicPr>
+            <a:picLocks noChangeAspect="1"/>
+          </p:cNvPicPr>
+          <p:nvPr/>
+        </p:nvPicPr>
+        <p:blipFill>
+          <a:blip r:embed="rId3">
+            <a:extLst>
+              <a:ext uri="{28A0092B-C50C-407E-A947-70E740481C1C}">
+                <a14:useLocalDpi xmlns:a14="http://schemas.microsoft.com/office/drawing/2010/main" val="0"/>
+              </a:ext>
+            </a:extLst>
+          </a:blip>
+          <a:stretch>
+            <a:fillRect/>
+          </a:stretch>
+        </p:blipFill>
+        <p:spPr>
+          <a:xfrm>
+            <a:off x="0" y="1340768"/>
+            <a:ext cx="8999984" cy="5299644"/>
+          </a:xfrm>
+          <a:prstGeom prst="rect">
+            <a:avLst/>
+          </a:prstGeom>
+        </p:spPr>
+      </p:pic>
     </p:spTree>
     <p:extLst>
       <p:ext uri="{BB962C8B-B14F-4D97-AF65-F5344CB8AC3E}">
-        <p14:creationId xmlns:p14="http://schemas.microsoft.com/office/powerpoint/2010/main" val="1628036969"/>
+        <p14:creationId xmlns:p14="http://schemas.microsoft.com/office/powerpoint/2010/main" val="1832103705"/>
       </p:ext>
     </p:extLst>
   </p:cSld>
@@ -5307,168 +5948,133 @@
         </p:nvSpPr>
         <p:spPr/>
         <p:txBody>
-          <a:bodyPr>
-            <a:normAutofit/>
-          </a:bodyPr>
-          <a:lstStyle/>
-          <a:p>
-            <a:pPr algn="just"/>
-            <a:r>
-              <a:rPr lang="zh-CN" altLang="en-US" dirty="0" smtClean="0"/>
-              <a:t>技术亮点一</a:t>
-            </a:r>
-            <a:r>
-              <a:rPr lang="en-US" altLang="zh-CN" dirty="0" smtClean="0"/>
-              <a:t>-</a:t>
-            </a:r>
-            <a:r>
-              <a:rPr lang="zh-CN" altLang="en-US" dirty="0" smtClean="0"/>
-              <a:t>统一的网络请求架构</a:t>
+          <a:bodyPr/>
+          <a:lstStyle/>
+          <a:p>
+            <a:r>
+              <a:rPr lang="zh-CN" altLang="en-US" dirty="0" smtClean="0"/>
+              <a:t>自定义控件集合</a:t>
             </a:r>
             <a:endParaRPr lang="zh-CN" altLang="en-US" dirty="0"/>
           </a:p>
         </p:txBody>
       </p:sp>
-      <p:pic>
-        <p:nvPicPr>
-          <p:cNvPr id="4" name="内容占位符 3"/>
-          <p:cNvPicPr>
-            <a:picLocks noGrp="1" noChangeAspect="1"/>
-          </p:cNvPicPr>
+      <p:sp>
+        <p:nvSpPr>
+          <p:cNvPr id="3" name="内容占位符 2"/>
+          <p:cNvSpPr>
+            <a:spLocks noGrp="1"/>
+          </p:cNvSpPr>
           <p:nvPr>
             <p:ph idx="1"/>
           </p:nvPr>
-        </p:nvPicPr>
-        <p:blipFill>
-          <a:blip r:embed="rId3">
-            <a:extLst>
-              <a:ext uri="{28A0092B-C50C-407E-A947-70E740481C1C}">
-                <a14:useLocalDpi xmlns:a14="http://schemas.microsoft.com/office/drawing/2010/main" val="0"/>
-              </a:ext>
-            </a:extLst>
-          </a:blip>
-          <a:stretch>
-            <a:fillRect/>
-          </a:stretch>
-        </p:blipFill>
-        <p:spPr>
-          <a:xfrm>
-            <a:off x="3131840" y="1268760"/>
-            <a:ext cx="5733566" cy="5398804"/>
-          </a:xfrm>
-        </p:spPr>
-      </p:pic>
-      <p:sp>
-        <p:nvSpPr>
-          <p:cNvPr id="5" name="TextBox 4"/>
-          <p:cNvSpPr txBox="1"/>
-          <p:nvPr/>
-        </p:nvSpPr>
-        <p:spPr>
-          <a:xfrm>
-            <a:off x="179512" y="1579929"/>
-            <a:ext cx="3240360" cy="3970318"/>
-          </a:xfrm>
-          <a:prstGeom prst="rect">
-            <a:avLst/>
-          </a:prstGeom>
-          <a:noFill/>
-        </p:spPr>
-        <p:txBody>
-          <a:bodyPr wrap="square" rtlCol="0">
-            <a:spAutoFit/>
-          </a:bodyPr>
-          <a:lstStyle/>
-          <a:p>
+        </p:nvSpPr>
+        <p:spPr/>
+        <p:txBody>
+          <a:bodyPr/>
+          <a:lstStyle/>
+          <a:p>
+            <a:pPr marL="0" indent="0">
+              <a:buNone/>
+            </a:pPr>
+            <a:r>
+              <a:rPr lang="en-US" altLang="zh-CN" dirty="0" err="1"/>
+              <a:t>WheelView</a:t>
+            </a:r>
+            <a:endParaRPr lang="en-US" altLang="zh-CN" dirty="0"/>
+          </a:p>
+          <a:p>
+            <a:pPr lvl="1"/>
             <a:r>
               <a:rPr lang="zh-CN" altLang="en-US" dirty="0"/>
-              <a:t>抽象</a:t>
-            </a:r>
-            <a:r>
-              <a:rPr lang="zh-CN" altLang="en-US" dirty="0" smtClean="0"/>
-              <a:t>出统一网络架构的优势</a:t>
-            </a:r>
-            <a:r>
-              <a:rPr lang="en-US" altLang="zh-CN" dirty="0" smtClean="0"/>
-              <a:t>:</a:t>
-            </a:r>
-          </a:p>
-          <a:p>
+              <a:t>时间选择的滚动控件，自定义弹性滚动机制，优化选择体验。</a:t>
+            </a:r>
             <a:endParaRPr lang="en-US" altLang="zh-CN" dirty="0"/>
           </a:p>
           <a:p>
-            <a:pPr marL="342900" indent="-342900">
-              <a:buAutoNum type="arabicPeriod"/>
+            <a:pPr marL="0" indent="0">
+              <a:buNone/>
             </a:pPr>
-            <a:r>
-              <a:rPr lang="zh-CN" altLang="en-US" dirty="0" smtClean="0"/>
-              <a:t>封装繁琐的</a:t>
-            </a:r>
-            <a:r>
-              <a:rPr lang="en-US" altLang="zh-CN" dirty="0" smtClean="0"/>
-              <a:t>Http</a:t>
-            </a:r>
-            <a:r>
-              <a:rPr lang="zh-CN" altLang="en-US" dirty="0" smtClean="0"/>
-              <a:t>请求，解决开发者头疼的并发和回调等难题。</a:t>
-            </a:r>
             <a:endParaRPr lang="en-US" altLang="zh-CN" dirty="0" smtClean="0"/>
           </a:p>
           <a:p>
-            <a:pPr marL="342900" indent="-342900">
-              <a:buAutoNum type="arabicPeriod"/>
+            <a:pPr marL="0" indent="0">
+              <a:buNone/>
             </a:pPr>
             <a:r>
-              <a:rPr lang="zh-CN" altLang="en-US" dirty="0" smtClean="0"/>
-              <a:t>对网络请求进行硬盘缓存，从用户的角度出发，提高性能，节约流量。</a:t>
-            </a:r>
+              <a:rPr lang="en-US" altLang="zh-CN" dirty="0" err="1" smtClean="0"/>
+              <a:t>ArcScrollView</a:t>
+            </a:r>
+            <a:endParaRPr lang="en-US" altLang="zh-CN" dirty="0"/>
+          </a:p>
+          <a:p>
+            <a:pPr lvl="1"/>
+            <a:r>
+              <a:rPr lang="zh-CN" altLang="en-US" dirty="0"/>
+              <a:t>弧形的</a:t>
+            </a:r>
+            <a:r>
+              <a:rPr lang="en-US" altLang="zh-CN" dirty="0" err="1"/>
+              <a:t>ScrollBar</a:t>
+            </a:r>
+            <a:r>
+              <a:rPr lang="zh-CN" altLang="en-US" dirty="0"/>
+              <a:t>，完美适配</a:t>
+            </a:r>
+            <a:r>
+              <a:rPr lang="en-US" altLang="zh-CN" dirty="0" err="1"/>
+              <a:t>ListView</a:t>
+            </a:r>
+            <a:r>
+              <a:rPr lang="zh-CN" altLang="en-US" dirty="0"/>
+              <a:t>和</a:t>
+            </a:r>
+            <a:r>
+              <a:rPr lang="en-US" altLang="zh-CN" dirty="0" err="1"/>
+              <a:t>ArcScrollView</a:t>
+            </a:r>
+            <a:endParaRPr lang="en-US" altLang="zh-CN" dirty="0"/>
+          </a:p>
+          <a:p>
+            <a:pPr marL="0" indent="0">
+              <a:buNone/>
+            </a:pPr>
             <a:endParaRPr lang="en-US" altLang="zh-CN" dirty="0" smtClean="0"/>
           </a:p>
           <a:p>
-            <a:pPr marL="342900" indent="-342900">
-              <a:buAutoNum type="arabicPeriod"/>
+            <a:pPr marL="0" indent="0">
+              <a:buNone/>
             </a:pPr>
             <a:r>
-              <a:rPr lang="zh-CN" altLang="en-US" dirty="0" smtClean="0"/>
-              <a:t>方便扩展，统一接口后，当</a:t>
-            </a:r>
-            <a:r>
-              <a:rPr lang="en-US" altLang="zh-CN" dirty="0" smtClean="0"/>
-              <a:t>Framework</a:t>
-            </a:r>
-            <a:r>
-              <a:rPr lang="zh-CN" altLang="en-US" dirty="0" smtClean="0"/>
-              <a:t>层通信统一转换成蓝牙通信等其他通信方式时，应用层开发者只需要替换</a:t>
-            </a:r>
-            <a:r>
-              <a:rPr lang="en-US" altLang="zh-CN" dirty="0" smtClean="0"/>
-              <a:t>jar</a:t>
-            </a:r>
-            <a:r>
-              <a:rPr lang="zh-CN" altLang="en-US" dirty="0" smtClean="0"/>
-              <a:t>包，代码无感知。</a:t>
-            </a:r>
-            <a:endParaRPr lang="zh-CN" altLang="en-US" dirty="0"/>
+              <a:rPr lang="en-US" altLang="zh-CN" dirty="0" err="1" smtClean="0"/>
+              <a:t>ClockView</a:t>
+            </a:r>
+            <a:endParaRPr lang="en-US" altLang="zh-CN" dirty="0"/>
+          </a:p>
+          <a:p>
+            <a:pPr lvl="1"/>
+            <a:r>
+              <a:rPr lang="zh-CN" altLang="en-US" dirty="0"/>
+              <a:t>表盘控件，自定义时间</a:t>
+            </a:r>
+            <a:r>
+              <a:rPr lang="zh-CN" altLang="en-US" dirty="0" smtClean="0"/>
+              <a:t>显示</a:t>
+            </a:r>
+            <a:endParaRPr lang="en-US" altLang="zh-CN" dirty="0"/>
           </a:p>
         </p:txBody>
       </p:sp>
     </p:spTree>
     <p:extLst>
       <p:ext uri="{BB962C8B-B14F-4D97-AF65-F5344CB8AC3E}">
-        <p14:creationId xmlns:p14="http://schemas.microsoft.com/office/powerpoint/2010/main" val="443065151"/>
+        <p14:creationId xmlns:p14="http://schemas.microsoft.com/office/powerpoint/2010/main" val="1274988145"/>
       </p:ext>
     </p:extLst>
   </p:cSld>
   <p:clrMapOvr>
     <a:masterClrMapping/>
   </p:clrMapOvr>
-  <p:timing>
-    <p:tnLst>
-      <p:par>
-        <p:cTn id="1" dur="indefinite" restart="never" nodeType="tmRoot"/>
-      </p:par>
-    </p:tnLst>
-  </p:timing>
 </p:sld>
 </file>
 
@@ -5504,166 +6110,148 @@
           <a:bodyPr/>
           <a:lstStyle/>
           <a:p>
-            <a:pPr algn="just"/>
-            <a:r>
-              <a:rPr lang="zh-CN" altLang="en-US" dirty="0" smtClean="0"/>
-              <a:t>技术亮点二</a:t>
+            <a:r>
+              <a:rPr lang="zh-CN" altLang="en-US" dirty="0" smtClean="0"/>
+              <a:t>全智能手表方向</a:t>
+            </a:r>
+            <a:endParaRPr lang="zh-CN" altLang="en-US" dirty="0"/>
+          </a:p>
+        </p:txBody>
+      </p:sp>
+      <p:sp>
+        <p:nvSpPr>
+          <p:cNvPr id="3" name="内容占位符 2"/>
+          <p:cNvSpPr>
+            <a:spLocks noGrp="1"/>
+          </p:cNvSpPr>
+          <p:nvPr>
+            <p:ph idx="1"/>
+          </p:nvPr>
+        </p:nvSpPr>
+        <p:spPr/>
+        <p:txBody>
+          <a:bodyPr/>
+          <a:lstStyle/>
+          <a:p>
+            <a:pPr marL="0" indent="0">
+              <a:buNone/>
+            </a:pPr>
+            <a:r>
+              <a:rPr lang="zh-CN" altLang="en-US" b="1" dirty="0"/>
+              <a:t>收益</a:t>
+            </a:r>
+            <a:endParaRPr lang="en-US" altLang="zh-CN" b="1" dirty="0"/>
+          </a:p>
+          <a:p>
+            <a:pPr lvl="1"/>
+            <a:r>
+              <a:rPr lang="zh-CN" altLang="en-US" dirty="0"/>
+              <a:t>应用层沉淀</a:t>
+            </a:r>
+            <a:r>
+              <a:rPr lang="en-US" altLang="zh-CN" dirty="0"/>
+              <a:t>5</a:t>
+            </a:r>
+            <a:r>
+              <a:rPr lang="zh-CN" altLang="en-US" dirty="0"/>
+              <a:t>个自定义控件，提升研发</a:t>
+            </a:r>
+            <a:r>
+              <a:rPr lang="zh-CN" altLang="en-US" dirty="0" smtClean="0"/>
+              <a:t>效率。将原本需要几天开发的控件缩短为小时级别集成。</a:t>
+            </a:r>
+            <a:endParaRPr lang="en-US" altLang="zh-CN" dirty="0"/>
+          </a:p>
+          <a:p>
+            <a:pPr lvl="1"/>
+            <a:r>
+              <a:rPr lang="zh-CN" altLang="en-US" dirty="0"/>
+              <a:t>应用层统一网络框架，实现对</a:t>
+            </a:r>
+            <a:r>
+              <a:rPr lang="en-US" altLang="zh-CN" dirty="0"/>
+              <a:t>HTTP</a:t>
+            </a:r>
+            <a:r>
+              <a:rPr lang="zh-CN" altLang="en-US" dirty="0"/>
+              <a:t>请求的高度封装和缓存，提高并发效率，节约用户</a:t>
+            </a:r>
+            <a:r>
+              <a:rPr lang="zh-CN" altLang="en-US" dirty="0" smtClean="0"/>
+              <a:t>流量</a:t>
+            </a:r>
+            <a:endParaRPr lang="en-US" altLang="zh-CN" dirty="0" smtClean="0"/>
+          </a:p>
+          <a:p>
+            <a:pPr lvl="1"/>
+            <a:r>
+              <a:rPr lang="zh-CN" altLang="en-US" dirty="0" smtClean="0"/>
+              <a:t>难点应用全部按期完成，且验收结果良好（天气</a:t>
             </a:r>
             <a:r>
               <a:rPr lang="en-US" altLang="zh-CN" dirty="0" smtClean="0"/>
-              <a:t>-</a:t>
-            </a:r>
-            <a:r>
-              <a:rPr lang="zh-CN" altLang="en-US" dirty="0" smtClean="0"/>
-              <a:t>简洁的天气应用</a:t>
-            </a:r>
-            <a:endParaRPr lang="zh-CN" altLang="en-US" dirty="0"/>
-          </a:p>
-        </p:txBody>
-      </p:sp>
-      <p:pic>
-        <p:nvPicPr>
-          <p:cNvPr id="4" name="内容占位符 3"/>
-          <p:cNvPicPr>
-            <a:picLocks noGrp="1" noChangeAspect="1"/>
-          </p:cNvPicPr>
-          <p:nvPr>
-            <p:ph idx="1"/>
-          </p:nvPr>
-        </p:nvPicPr>
-        <p:blipFill>
-          <a:blip r:embed="rId2">
-            <a:extLst>
-              <a:ext uri="{28A0092B-C50C-407E-A947-70E740481C1C}">
-                <a14:useLocalDpi xmlns:a14="http://schemas.microsoft.com/office/drawing/2010/main" val="0"/>
-              </a:ext>
-            </a:extLst>
-          </a:blip>
-          <a:stretch>
-            <a:fillRect/>
-          </a:stretch>
-        </p:blipFill>
-        <p:spPr>
-          <a:xfrm>
-            <a:off x="6804248" y="1556792"/>
-            <a:ext cx="1766029" cy="4525963"/>
-          </a:xfrm>
-        </p:spPr>
-      </p:pic>
-      <p:sp>
-        <p:nvSpPr>
-          <p:cNvPr id="6" name="TextBox 5"/>
-          <p:cNvSpPr txBox="1"/>
-          <p:nvPr/>
-        </p:nvSpPr>
-        <p:spPr>
-          <a:xfrm>
-            <a:off x="593676" y="2780928"/>
-            <a:ext cx="5832648" cy="2031325"/>
-          </a:xfrm>
-          <a:prstGeom prst="rect">
-            <a:avLst/>
-          </a:prstGeom>
-          <a:noFill/>
-        </p:spPr>
-        <p:txBody>
-          <a:bodyPr wrap="square" rtlCol="0">
-            <a:spAutoFit/>
-          </a:bodyPr>
-          <a:lstStyle/>
-          <a:p>
-            <a:r>
-              <a:rPr lang="zh-CN" altLang="en-US" dirty="0" smtClean="0"/>
-              <a:t>麻雀虽小，五脏俱全。天气应用虽然简洁，但不简单：</a:t>
-            </a:r>
-            <a:endParaRPr lang="en-US" altLang="zh-CN" dirty="0" smtClean="0"/>
-          </a:p>
-          <a:p>
-            <a:pPr marL="342900" indent="-342900">
-              <a:buAutoNum type="arabicPeriod"/>
-            </a:pPr>
-            <a:r>
-              <a:rPr lang="zh-CN" altLang="en-US" dirty="0" smtClean="0"/>
-              <a:t>自定制的定位服务，包括网络定位和用户选择定位。</a:t>
-            </a:r>
-            <a:endParaRPr lang="en-US" altLang="zh-CN" dirty="0" smtClean="0"/>
-          </a:p>
-          <a:p>
-            <a:pPr marL="342900" indent="-342900">
-              <a:buAutoNum type="arabicPeriod"/>
-            </a:pPr>
-            <a:r>
-              <a:rPr lang="en-US" altLang="zh-CN" dirty="0" err="1" smtClean="0"/>
-              <a:t>Litepal</a:t>
-            </a:r>
-            <a:r>
-              <a:rPr lang="zh-CN" altLang="en-US" dirty="0" smtClean="0"/>
-              <a:t>数据库存储全国地理位置信息。</a:t>
-            </a:r>
-            <a:endParaRPr lang="en-US" altLang="zh-CN" dirty="0" smtClean="0"/>
-          </a:p>
-          <a:p>
-            <a:pPr marL="342900" indent="-342900">
-              <a:buAutoNum type="arabicPeriod"/>
-            </a:pPr>
+              <a:t>, </a:t>
+            </a:r>
+            <a:r>
+              <a:rPr lang="zh-CN" altLang="en-US" dirty="0" smtClean="0"/>
+              <a:t>闹钟</a:t>
+            </a:r>
             <a:r>
               <a:rPr lang="en-US" altLang="zh-CN" dirty="0" smtClean="0"/>
-              <a:t>Service</a:t>
-            </a:r>
-            <a:r>
-              <a:rPr lang="zh-CN" altLang="en-US" dirty="0" smtClean="0"/>
-              <a:t>定时后台更新和</a:t>
+              <a:t>, </a:t>
+            </a:r>
+            <a:r>
+              <a:rPr lang="zh-CN" altLang="en-US" dirty="0" smtClean="0"/>
+              <a:t>秒表</a:t>
             </a:r>
             <a:r>
               <a:rPr lang="en-US" altLang="zh-CN" dirty="0" smtClean="0"/>
-              <a:t>widget</a:t>
-            </a:r>
-            <a:r>
-              <a:rPr lang="zh-CN" altLang="en-US" dirty="0" smtClean="0"/>
-              <a:t>插件更新。</a:t>
-            </a:r>
-            <a:endParaRPr lang="en-US" altLang="zh-CN" dirty="0" smtClean="0"/>
-          </a:p>
-          <a:p>
-            <a:pPr marL="342900" indent="-342900">
-              <a:buAutoNum type="arabicPeriod"/>
-            </a:pPr>
+              <a:t>, </a:t>
+            </a:r>
+            <a:r>
+              <a:rPr lang="zh-CN" altLang="en-US" dirty="0" smtClean="0"/>
+              <a:t>计时器</a:t>
+            </a:r>
+            <a:r>
+              <a:rPr lang="en-US" altLang="zh-CN" dirty="0" smtClean="0"/>
+              <a:t>, </a:t>
+            </a:r>
             <a:r>
               <a:rPr lang="zh-CN" altLang="en-US" dirty="0"/>
-              <a:t>自</a:t>
-            </a:r>
-            <a:r>
-              <a:rPr lang="zh-CN" altLang="en-US" dirty="0" smtClean="0"/>
-              <a:t>定制的天气数据缓存。</a:t>
-            </a:r>
-            <a:endParaRPr lang="en-US" altLang="zh-CN" dirty="0" smtClean="0"/>
-          </a:p>
-          <a:p>
-            <a:pPr marL="342900" indent="-342900">
-              <a:buAutoNum type="arabicPeriod"/>
-            </a:pPr>
-            <a:r>
-              <a:rPr lang="en-US" altLang="zh-CN" dirty="0" err="1" smtClean="0"/>
-              <a:t>Gson</a:t>
-            </a:r>
-            <a:r>
-              <a:rPr lang="zh-CN" altLang="en-US" dirty="0" smtClean="0"/>
-              <a:t>数据解析。</a:t>
-            </a:r>
-            <a:endParaRPr lang="en-US" altLang="zh-CN" dirty="0" smtClean="0"/>
-          </a:p>
-          <a:p>
-            <a:pPr marL="342900" indent="-342900">
-              <a:buAutoNum type="arabicPeriod"/>
-            </a:pPr>
-            <a:endParaRPr lang="zh-CN" altLang="en-US" dirty="0"/>
+              <a:t>密码</a:t>
+            </a:r>
+            <a:r>
+              <a:rPr lang="zh-CN" altLang="en-US" dirty="0" smtClean="0"/>
+              <a:t>锁</a:t>
+            </a:r>
+            <a:r>
+              <a:rPr lang="en-US" altLang="zh-CN" dirty="0" smtClean="0"/>
+              <a:t>, </a:t>
+            </a:r>
+            <a:r>
+              <a:rPr lang="zh-CN" altLang="en-US" dirty="0" smtClean="0"/>
+              <a:t>应用列表等）</a:t>
+            </a:r>
+            <a:endParaRPr lang="en-US" altLang="zh-CN" dirty="0"/>
+          </a:p>
+          <a:p>
+            <a:pPr lvl="1"/>
+            <a:r>
+              <a:rPr lang="zh-CN" altLang="en-US" dirty="0"/>
+              <a:t>从无到有的建立起全智能手表的应用层</a:t>
+            </a:r>
+            <a:r>
+              <a:rPr lang="zh-CN" altLang="en-US" dirty="0" smtClean="0"/>
+              <a:t>体系</a:t>
+            </a:r>
+            <a:endParaRPr lang="en-US" altLang="zh-CN" dirty="0"/>
           </a:p>
         </p:txBody>
       </p:sp>
     </p:spTree>
     <p:extLst>
       <p:ext uri="{BB962C8B-B14F-4D97-AF65-F5344CB8AC3E}">
-        <p14:creationId xmlns:p14="http://schemas.microsoft.com/office/powerpoint/2010/main" val="3516364787"/>
+        <p14:creationId xmlns:p14="http://schemas.microsoft.com/office/powerpoint/2010/main" val="1403968230"/>
       </p:ext>
     </p:extLst>
   </p:cSld>
@@ -5713,18 +6301,14 @@
           <a:lstStyle/>
           <a:p>
             <a:r>
-              <a:rPr lang="zh-CN" altLang="en-US" dirty="0" smtClean="0"/>
-              <a:t>技术亮点三</a:t>
-            </a:r>
-            <a:r>
               <a:rPr lang="en-US" altLang="zh-CN" dirty="0" smtClean="0"/>
-              <a:t>-</a:t>
-            </a:r>
-            <a:r>
-              <a:rPr lang="zh-CN" altLang="en-US" smtClean="0"/>
-              <a:t>时间应用</a:t>
-            </a:r>
-            <a:endParaRPr lang="zh-CN" altLang="en-US"/>
+              <a:t>ROM</a:t>
+            </a:r>
+            <a:r>
+              <a:rPr lang="zh-CN" altLang="en-US" dirty="0" smtClean="0"/>
+              <a:t>适配方向</a:t>
+            </a:r>
+            <a:endParaRPr lang="zh-CN" altLang="en-US" dirty="0"/>
           </a:p>
         </p:txBody>
       </p:sp>
@@ -5743,9 +6327,20 @@
           <a:bodyPr/>
           <a:lstStyle/>
           <a:p>
-            <a:r>
-              <a:rPr lang="en-US" altLang="zh-CN" dirty="0" err="1" smtClean="0"/>
-              <a:t>WheelView</a:t>
+            <a:pPr marL="0" indent="0">
+              <a:buNone/>
+            </a:pPr>
+            <a:r>
+              <a:rPr lang="zh-CN" altLang="en-US" b="1" dirty="0" smtClean="0"/>
+              <a:t>挑战</a:t>
+            </a:r>
+            <a:endParaRPr lang="en-US" altLang="zh-CN" b="1" dirty="0" smtClean="0"/>
+          </a:p>
+          <a:p>
+            <a:pPr lvl="1"/>
+            <a:r>
+              <a:rPr lang="zh-CN" altLang="en-US" dirty="0" smtClean="0"/>
+              <a:t>适配机型较多，适配平台较多</a:t>
             </a:r>
             <a:endParaRPr lang="en-US" altLang="zh-CN" dirty="0" smtClean="0"/>
           </a:p>
@@ -5753,61 +6348,84 @@
             <a:pPr lvl="1"/>
             <a:r>
               <a:rPr lang="zh-CN" altLang="en-US" dirty="0" smtClean="0"/>
-              <a:t>时间选择的滚动控件，通过自定义实现的手势检测机制，比较好的实现滑动用户体验。</a:t>
+              <a:t>打包发布流程繁琐，多个平台发布对应的</a:t>
+            </a:r>
+            <a:r>
+              <a:rPr lang="en-US" altLang="zh-CN" dirty="0" smtClean="0"/>
+              <a:t>ROM</a:t>
+            </a:r>
+            <a:r>
+              <a:rPr lang="zh-CN" altLang="en-US" dirty="0" smtClean="0"/>
+              <a:t>包均不相同</a:t>
             </a:r>
             <a:endParaRPr lang="en-US" altLang="zh-CN" dirty="0" smtClean="0"/>
           </a:p>
           <a:p>
-            <a:r>
-              <a:rPr lang="en-US" altLang="zh-CN" dirty="0" err="1" smtClean="0"/>
-              <a:t>ClockView</a:t>
+            <a:pPr lvl="1"/>
+            <a:r>
+              <a:rPr lang="zh-CN" altLang="en-US" dirty="0"/>
+              <a:t>适</a:t>
+            </a:r>
+            <a:r>
+              <a:rPr lang="zh-CN" altLang="en-US" dirty="0" smtClean="0"/>
+              <a:t>配过程中遇到的问题复杂，从应用层到</a:t>
+            </a:r>
+            <a:r>
+              <a:rPr lang="en-US" altLang="zh-CN" dirty="0" smtClean="0"/>
+              <a:t>Framework</a:t>
+            </a:r>
+            <a:r>
+              <a:rPr lang="zh-CN" altLang="en-US" dirty="0" smtClean="0"/>
+              <a:t>到</a:t>
+            </a:r>
+            <a:r>
+              <a:rPr lang="en-US" altLang="zh-CN" dirty="0" smtClean="0"/>
+              <a:t>JNI</a:t>
+            </a:r>
+            <a:r>
+              <a:rPr lang="zh-CN" altLang="en-US" dirty="0" smtClean="0"/>
+              <a:t>层均有涉及</a:t>
             </a:r>
             <a:endParaRPr lang="en-US" altLang="zh-CN" dirty="0" smtClean="0"/>
           </a:p>
           <a:p>
+            <a:pPr marL="0" indent="0">
+              <a:buNone/>
+            </a:pPr>
+            <a:endParaRPr lang="en-US" altLang="zh-CN" b="1" dirty="0"/>
+          </a:p>
+          <a:p>
+            <a:pPr marL="0" indent="0">
+              <a:buNone/>
+            </a:pPr>
+            <a:r>
+              <a:rPr lang="zh-CN" altLang="en-US" b="1" dirty="0" smtClean="0"/>
+              <a:t>职责</a:t>
+            </a:r>
+            <a:endParaRPr lang="en-US" altLang="zh-CN" b="1" dirty="0" smtClean="0"/>
+          </a:p>
+          <a:p>
             <a:pPr lvl="1"/>
             <a:r>
-              <a:rPr lang="zh-CN" altLang="en-US" dirty="0" smtClean="0"/>
-              <a:t>表盘控件，自定义时间显示</a:t>
+              <a:rPr lang="en-US" altLang="zh-CN" dirty="0" smtClean="0"/>
+              <a:t>MTK</a:t>
+            </a:r>
+            <a:r>
+              <a:rPr lang="zh-CN" altLang="en-US" dirty="0" smtClean="0"/>
+              <a:t>平台机型适配负责人</a:t>
             </a:r>
             <a:endParaRPr lang="en-US" altLang="zh-CN" dirty="0" smtClean="0"/>
           </a:p>
           <a:p>
-            <a:r>
-              <a:rPr lang="en-US" altLang="zh-CN" dirty="0" err="1" smtClean="0"/>
-              <a:t>ArcScrollView</a:t>
-            </a:r>
-            <a:endParaRPr lang="en-US" altLang="zh-CN" dirty="0" smtClean="0"/>
-          </a:p>
-          <a:p>
-            <a:pPr lvl="1"/>
-            <a:r>
-              <a:rPr lang="zh-CN" altLang="en-US" dirty="0" smtClean="0"/>
-              <a:t>弧形的</a:t>
-            </a:r>
-            <a:r>
-              <a:rPr lang="en-US" altLang="zh-CN" dirty="0" err="1" smtClean="0"/>
-              <a:t>ScrollBar</a:t>
-            </a:r>
-            <a:r>
-              <a:rPr lang="zh-CN" altLang="en-US" dirty="0" smtClean="0"/>
-              <a:t>，完美适配</a:t>
-            </a:r>
-            <a:r>
-              <a:rPr lang="en-US" altLang="zh-CN" dirty="0" err="1" smtClean="0"/>
-              <a:t>ListView</a:t>
-            </a:r>
-            <a:r>
-              <a:rPr lang="zh-CN" altLang="en-US" dirty="0" smtClean="0"/>
-              <a:t>和</a:t>
-            </a:r>
-            <a:r>
-              <a:rPr lang="en-US" altLang="zh-CN" dirty="0" err="1" smtClean="0"/>
-              <a:t>ArcScrollView</a:t>
-            </a:r>
-            <a:endParaRPr lang="en-US" altLang="zh-CN" dirty="0" smtClean="0"/>
-          </a:p>
-          <a:p>
+            <a:pPr marL="0" indent="0">
+              <a:buNone/>
+            </a:pPr>
+            <a:endParaRPr lang="en-US" altLang="zh-CN" b="1" dirty="0" smtClean="0"/>
+          </a:p>
+          <a:p>
+            <a:pPr marL="0" indent="0">
+              <a:buNone/>
+            </a:pPr>
             <a:endParaRPr lang="zh-CN" altLang="en-US" dirty="0"/>
           </a:p>
         </p:txBody>
@@ -5815,20 +6433,13 @@
     </p:spTree>
     <p:extLst>
       <p:ext uri="{BB962C8B-B14F-4D97-AF65-F5344CB8AC3E}">
-        <p14:creationId xmlns:p14="http://schemas.microsoft.com/office/powerpoint/2010/main" val="1719488202"/>
+        <p14:creationId xmlns:p14="http://schemas.microsoft.com/office/powerpoint/2010/main" val="3442509603"/>
       </p:ext>
     </p:extLst>
   </p:cSld>
   <p:clrMapOvr>
     <a:masterClrMapping/>
   </p:clrMapOvr>
-  <p:timing>
-    <p:tnLst>
-      <p:par>
-        <p:cTn id="1" dur="indefinite" restart="never" nodeType="tmRoot"/>
-      </p:par>
-    </p:tnLst>
-  </p:timing>
 </p:sld>
 </file>
 
